--- a/1201.pptx
+++ b/1201.pptx
@@ -1,19 +1,19 @@
 
 <file path=ppt/presentation.xml><?xml version="1.0" encoding="utf-8"?>
-<p:presentation xmlns:a="http://schemas.openxmlformats.org/drawingml/2006/main" xmlns:r="http://schemas.openxmlformats.org/officeDocument/2006/relationships" xmlns:p="http://schemas.openxmlformats.org/presentationml/2006/main" saveSubsetFonts="1">
+<p:presentation xmlns:a="http://schemas.openxmlformats.org/drawingml/2006/main" xmlns:r="http://schemas.openxmlformats.org/officeDocument/2006/relationships" xmlns:p="http://schemas.openxmlformats.org/presentationml/2006/main">
   <p:sldMasterIdLst>
-    <p:sldMasterId id="2147483882" r:id="rId1"/>
+    <p:sldMasterId id="2147483648" r:id="rId1"/>
   </p:sldMasterIdLst>
   <p:sldIdLst>
-    <p:sldId id="256" r:id="rId2"/>
-    <p:sldId id="257" r:id="rId3"/>
-    <p:sldId id="258" r:id="rId4"/>
-    <p:sldId id="259" r:id="rId5"/>
-    <p:sldId id="260" r:id="rId6"/>
-    <p:sldId id="261" r:id="rId7"/>
-    <p:sldId id="262" r:id="rId8"/>
-    <p:sldId id="263" r:id="rId9"/>
-    <p:sldId id="264" r:id="rId10"/>
+    <p:sldId id="256" r:id="rId3"/>
+    <p:sldId id="257" r:id="rId4"/>
+    <p:sldId id="258" r:id="rId5"/>
+    <p:sldId id="259" r:id="rId6"/>
+    <p:sldId id="262" r:id="rId7"/>
+    <p:sldId id="265" r:id="rId8"/>
+    <p:sldId id="266" r:id="rId9"/>
+    <p:sldId id="267" r:id="rId10"/>
+    <p:sldId id="264" r:id="rId11"/>
   </p:sldIdLst>
   <p:sldSz cx="12192000" cy="6858000"/>
   <p:notesSz cx="6858000" cy="9144000"/>
@@ -112,20 +112,11 @@
       </a:defRPr>
     </a:lvl9pPr>
   </p:defaultTextStyle>
-  <p:extLst>
-    <p:ext uri="{EFAFB233-063F-42B5-8137-9DF3F51BA10A}">
-      <p15:sldGuideLst xmlns:p15="http://schemas.microsoft.com/office/powerpoint/2012/main"/>
-    </p:ext>
-  </p:extLst>
 </p:presentation>
 </file>
 
-<file path=ppt/revisionInfo.xml><?xml version="1.0" encoding="utf-8"?>
-<p1510:revInfo xmlns:a="http://schemas.openxmlformats.org/drawingml/2006/main" xmlns:r="http://schemas.openxmlformats.org/officeDocument/2006/relationships" xmlns:p1510="http://schemas.microsoft.com/office/powerpoint/2015/10/main"/>
-</file>
-
 <file path=ppt/slideLayouts/slideLayout1.xml><?xml version="1.0" encoding="utf-8"?>
-<p:sldLayout xmlns:a="http://schemas.openxmlformats.org/drawingml/2006/main" xmlns:r="http://schemas.openxmlformats.org/officeDocument/2006/relationships" xmlns:p="http://schemas.openxmlformats.org/presentationml/2006/main" showMasterSp="0" type="title" preserve="1">
+<p:sldLayout xmlns:a="http://schemas.openxmlformats.org/drawingml/2006/main" xmlns:r="http://schemas.openxmlformats.org/officeDocument/2006/relationships" xmlns:p="http://schemas.openxmlformats.org/presentationml/2006/main" type="title" preserve="1" showMasterSp="0">
   <p:cSld name="标题幻灯片">
     <p:spTree>
       <p:nvGrpSpPr>
@@ -846,7 +837,6 @@
           <a:p>
             <a:fld id="{4538FD8C-A016-4894-8CD0-8673E2EC78A0}" type="datetimeFigureOut">
               <a:rPr lang="zh-CN" altLang="en-US" smtClean="0"/>
-              <a:t>2017/12/2</a:t>
             </a:fld>
             <a:endParaRPr lang="zh-CN" altLang="en-US"/>
           </a:p>
@@ -888,18 +878,12 @@
           <a:p>
             <a:fld id="{86F05362-A4E6-45E7-AF60-DE8E4F3AA066}" type="slidenum">
               <a:rPr lang="zh-CN" altLang="en-US" smtClean="0"/>
-              <a:t>‹#›</a:t>
             </a:fld>
             <a:endParaRPr lang="zh-CN" altLang="en-US"/>
           </a:p>
         </p:txBody>
       </p:sp>
     </p:spTree>
-    <p:extLst>
-      <p:ext uri="{BB962C8B-B14F-4D97-AF65-F5344CB8AC3E}">
-        <p14:creationId xmlns:p14="http://schemas.microsoft.com/office/powerpoint/2010/main" val="3391611968"/>
-      </p:ext>
-    </p:extLst>
   </p:cSld>
   <p:clrMapOvr>
     <a:masterClrMapping/>
@@ -965,7 +949,7 @@
             <a:spLocks noGrp="1"/>
           </p:cNvSpPr>
           <p:nvPr>
-            <p:ph type="body" idx="1"/>
+            <p:ph type="body" idx="1" hasCustomPrompt="1"/>
           </p:nvPr>
         </p:nvSpPr>
         <p:spPr>
@@ -1077,6 +1061,7 @@
               <a:rPr lang="zh-CN" altLang="en-US"/>
               <a:t>编辑母版文本样式</a:t>
             </a:r>
+            <a:endParaRPr lang="zh-CN" altLang="en-US"/>
           </a:p>
         </p:txBody>
       </p:sp>
@@ -1097,7 +1082,6 @@
           <a:p>
             <a:fld id="{4538FD8C-A016-4894-8CD0-8673E2EC78A0}" type="datetimeFigureOut">
               <a:rPr lang="zh-CN" altLang="en-US" smtClean="0"/>
-              <a:t>2017/12/2</a:t>
             </a:fld>
             <a:endParaRPr lang="zh-CN" altLang="en-US"/>
           </a:p>
@@ -1139,18 +1123,12 @@
           <a:p>
             <a:fld id="{86F05362-A4E6-45E7-AF60-DE8E4F3AA066}" type="slidenum">
               <a:rPr lang="zh-CN" altLang="en-US" smtClean="0"/>
-              <a:t>‹#›</a:t>
             </a:fld>
             <a:endParaRPr lang="zh-CN" altLang="en-US"/>
           </a:p>
         </p:txBody>
       </p:sp>
     </p:spTree>
-    <p:extLst>
-      <p:ext uri="{BB962C8B-B14F-4D97-AF65-F5344CB8AC3E}">
-        <p14:creationId xmlns:p14="http://schemas.microsoft.com/office/powerpoint/2010/main" val="2653580684"/>
-      </p:ext>
-    </p:extLst>
   </p:cSld>
   <p:clrMapOvr>
     <a:masterClrMapping/>
@@ -1216,7 +1194,7 @@
             <a:spLocks noGrp="1"/>
           </p:cNvSpPr>
           <p:nvPr>
-            <p:ph type="body" sz="quarter" idx="13"/>
+            <p:ph type="body" sz="quarter" idx="13" hasCustomPrompt="1"/>
           </p:nvPr>
         </p:nvSpPr>
         <p:spPr>
@@ -1269,6 +1247,7 @@
               <a:rPr lang="zh-CN" altLang="en-US"/>
               <a:t>编辑母版文本样式</a:t>
             </a:r>
+            <a:endParaRPr lang="zh-CN" altLang="en-US"/>
           </a:p>
         </p:txBody>
       </p:sp>
@@ -1279,7 +1258,7 @@
             <a:spLocks noGrp="1"/>
           </p:cNvSpPr>
           <p:nvPr>
-            <p:ph type="body" idx="1"/>
+            <p:ph type="body" idx="1" hasCustomPrompt="1"/>
           </p:nvPr>
         </p:nvSpPr>
         <p:spPr>
@@ -1391,6 +1370,7 @@
               <a:rPr lang="zh-CN" altLang="en-US"/>
               <a:t>编辑母版文本样式</a:t>
             </a:r>
+            <a:endParaRPr lang="zh-CN" altLang="en-US"/>
           </a:p>
         </p:txBody>
       </p:sp>
@@ -1411,7 +1391,6 @@
           <a:p>
             <a:fld id="{4538FD8C-A016-4894-8CD0-8673E2EC78A0}" type="datetimeFigureOut">
               <a:rPr lang="zh-CN" altLang="en-US" smtClean="0"/>
-              <a:t>2017/12/2</a:t>
             </a:fld>
             <a:endParaRPr lang="zh-CN" altLang="en-US"/>
           </a:p>
@@ -1453,7 +1432,6 @@
           <a:p>
             <a:fld id="{86F05362-A4E6-45E7-AF60-DE8E4F3AA066}" type="slidenum">
               <a:rPr lang="zh-CN" altLang="en-US" smtClean="0"/>
-              <a:t>‹#›</a:t>
             </a:fld>
             <a:endParaRPr lang="zh-CN" altLang="en-US"/>
           </a:p>
@@ -1493,10 +1471,23 @@
                   </a:schemeClr>
                 </a:solidFill>
                 <a:effectLst/>
-                <a:latin typeface="Arial"/>
+                <a:latin typeface="Arial" panose="020B0604020202020204"/>
               </a:rPr>
               <a:t>“</a:t>
             </a:r>
+            <a:endParaRPr lang="en-US" sz="8000" baseline="0" dirty="0">
+              <a:ln w="3175" cmpd="sng">
+                <a:noFill/>
+              </a:ln>
+              <a:solidFill>
+                <a:schemeClr val="accent1">
+                  <a:lumMod val="60000"/>
+                  <a:lumOff val="40000"/>
+                </a:schemeClr>
+              </a:solidFill>
+              <a:effectLst/>
+              <a:latin typeface="Arial" panose="020B0604020202020204"/>
+            </a:endParaRPr>
           </a:p>
         </p:txBody>
       </p:sp>
@@ -1533,7 +1524,7 @@
                     <a:lumOff val="40000"/>
                   </a:schemeClr>
                 </a:solidFill>
-                <a:latin typeface="Arial"/>
+                <a:latin typeface="Arial" panose="020B0604020202020204"/>
               </a:rPr>
               <a:t>”</a:t>
             </a:r>
@@ -1544,17 +1535,12 @@
                   <a:lumOff val="40000"/>
                 </a:schemeClr>
               </a:solidFill>
-              <a:latin typeface="Arial"/>
+              <a:latin typeface="Arial" panose="020B0604020202020204"/>
             </a:endParaRPr>
           </a:p>
         </p:txBody>
       </p:sp>
     </p:spTree>
-    <p:extLst>
-      <p:ext uri="{BB962C8B-B14F-4D97-AF65-F5344CB8AC3E}">
-        <p14:creationId xmlns:p14="http://schemas.microsoft.com/office/powerpoint/2010/main" val="2590066436"/>
-      </p:ext>
-    </p:extLst>
   </p:cSld>
   <p:clrMapOvr>
     <a:masterClrMapping/>
@@ -1620,7 +1606,7 @@
             <a:spLocks noGrp="1"/>
           </p:cNvSpPr>
           <p:nvPr>
-            <p:ph type="body" idx="1"/>
+            <p:ph type="body" idx="1" hasCustomPrompt="1"/>
           </p:nvPr>
         </p:nvSpPr>
         <p:spPr>
@@ -1732,6 +1718,7 @@
               <a:rPr lang="zh-CN" altLang="en-US"/>
               <a:t>编辑母版文本样式</a:t>
             </a:r>
+            <a:endParaRPr lang="zh-CN" altLang="en-US"/>
           </a:p>
         </p:txBody>
       </p:sp>
@@ -1752,7 +1739,6 @@
           <a:p>
             <a:fld id="{4538FD8C-A016-4894-8CD0-8673E2EC78A0}" type="datetimeFigureOut">
               <a:rPr lang="zh-CN" altLang="en-US" smtClean="0"/>
-              <a:t>2017/12/2</a:t>
             </a:fld>
             <a:endParaRPr lang="zh-CN" altLang="en-US"/>
           </a:p>
@@ -1794,18 +1780,12 @@
           <a:p>
             <a:fld id="{86F05362-A4E6-45E7-AF60-DE8E4F3AA066}" type="slidenum">
               <a:rPr lang="zh-CN" altLang="en-US" smtClean="0"/>
-              <a:t>‹#›</a:t>
             </a:fld>
             <a:endParaRPr lang="zh-CN" altLang="en-US"/>
           </a:p>
         </p:txBody>
       </p:sp>
     </p:spTree>
-    <p:extLst>
-      <p:ext uri="{BB962C8B-B14F-4D97-AF65-F5344CB8AC3E}">
-        <p14:creationId xmlns:p14="http://schemas.microsoft.com/office/powerpoint/2010/main" val="3362212367"/>
-      </p:ext>
-    </p:extLst>
   </p:cSld>
   <p:clrMapOvr>
     <a:masterClrMapping/>
@@ -1871,7 +1851,7 @@
             <a:spLocks noGrp="1"/>
           </p:cNvSpPr>
           <p:nvPr>
-            <p:ph type="body" sz="quarter" idx="13"/>
+            <p:ph type="body" sz="quarter" idx="13" hasCustomPrompt="1"/>
           </p:nvPr>
         </p:nvSpPr>
         <p:spPr>
@@ -1924,6 +1904,7 @@
               <a:rPr lang="zh-CN" altLang="en-US"/>
               <a:t>编辑母版文本样式</a:t>
             </a:r>
+            <a:endParaRPr lang="zh-CN" altLang="en-US"/>
           </a:p>
         </p:txBody>
       </p:sp>
@@ -1934,7 +1915,7 @@
             <a:spLocks noGrp="1"/>
           </p:cNvSpPr>
           <p:nvPr>
-            <p:ph type="body" idx="1"/>
+            <p:ph type="body" idx="1" hasCustomPrompt="1"/>
           </p:nvPr>
         </p:nvSpPr>
         <p:spPr>
@@ -2046,6 +2027,7 @@
               <a:rPr lang="zh-CN" altLang="en-US"/>
               <a:t>编辑母版文本样式</a:t>
             </a:r>
+            <a:endParaRPr lang="zh-CN" altLang="en-US"/>
           </a:p>
         </p:txBody>
       </p:sp>
@@ -2066,7 +2048,6 @@
           <a:p>
             <a:fld id="{4538FD8C-A016-4894-8CD0-8673E2EC78A0}" type="datetimeFigureOut">
               <a:rPr lang="zh-CN" altLang="en-US" smtClean="0"/>
-              <a:t>2017/12/2</a:t>
             </a:fld>
             <a:endParaRPr lang="zh-CN" altLang="en-US"/>
           </a:p>
@@ -2108,7 +2089,6 @@
           <a:p>
             <a:fld id="{86F05362-A4E6-45E7-AF60-DE8E4F3AA066}" type="slidenum">
               <a:rPr lang="zh-CN" altLang="en-US" smtClean="0"/>
-              <a:t>‹#›</a:t>
             </a:fld>
             <a:endParaRPr lang="zh-CN" altLang="en-US"/>
           </a:p>
@@ -2148,10 +2128,23 @@
                   </a:schemeClr>
                 </a:solidFill>
                 <a:effectLst/>
-                <a:latin typeface="Arial"/>
+                <a:latin typeface="Arial" panose="020B0604020202020204"/>
               </a:rPr>
               <a:t>“</a:t>
             </a:r>
+            <a:endParaRPr lang="en-US" sz="8000" baseline="0" dirty="0">
+              <a:ln w="3175" cmpd="sng">
+                <a:noFill/>
+              </a:ln>
+              <a:solidFill>
+                <a:schemeClr val="accent1">
+                  <a:lumMod val="60000"/>
+                  <a:lumOff val="40000"/>
+                </a:schemeClr>
+              </a:solidFill>
+              <a:effectLst/>
+              <a:latin typeface="Arial" panose="020B0604020202020204"/>
+            </a:endParaRPr>
           </a:p>
         </p:txBody>
       </p:sp>
@@ -2189,19 +2182,27 @@
                   </a:schemeClr>
                 </a:solidFill>
                 <a:effectLst/>
-                <a:latin typeface="Arial"/>
+                <a:latin typeface="Arial" panose="020B0604020202020204"/>
               </a:rPr>
               <a:t>”</a:t>
             </a:r>
+            <a:endParaRPr lang="en-US" sz="8000" baseline="0" dirty="0">
+              <a:ln w="3175" cmpd="sng">
+                <a:noFill/>
+              </a:ln>
+              <a:solidFill>
+                <a:schemeClr val="accent1">
+                  <a:lumMod val="60000"/>
+                  <a:lumOff val="40000"/>
+                </a:schemeClr>
+              </a:solidFill>
+              <a:effectLst/>
+              <a:latin typeface="Arial" panose="020B0604020202020204"/>
+            </a:endParaRPr>
           </a:p>
         </p:txBody>
       </p:sp>
     </p:spTree>
-    <p:extLst>
-      <p:ext uri="{BB962C8B-B14F-4D97-AF65-F5344CB8AC3E}">
-        <p14:creationId xmlns:p14="http://schemas.microsoft.com/office/powerpoint/2010/main" val="935280215"/>
-      </p:ext>
-    </p:extLst>
   </p:cSld>
   <p:clrMapOvr>
     <a:masterClrMapping/>
@@ -2267,7 +2268,7 @@
             <a:spLocks noGrp="1"/>
           </p:cNvSpPr>
           <p:nvPr>
-            <p:ph type="body" sz="quarter" idx="13"/>
+            <p:ph type="body" sz="quarter" idx="13" hasCustomPrompt="1"/>
           </p:nvPr>
         </p:nvSpPr>
         <p:spPr>
@@ -2317,6 +2318,7 @@
               <a:rPr lang="zh-CN" altLang="en-US"/>
               <a:t>编辑母版文本样式</a:t>
             </a:r>
+            <a:endParaRPr lang="zh-CN" altLang="en-US"/>
           </a:p>
         </p:txBody>
       </p:sp>
@@ -2327,7 +2329,7 @@
             <a:spLocks noGrp="1"/>
           </p:cNvSpPr>
           <p:nvPr>
-            <p:ph type="body" idx="1"/>
+            <p:ph type="body" idx="1" hasCustomPrompt="1"/>
           </p:nvPr>
         </p:nvSpPr>
         <p:spPr>
@@ -2439,6 +2441,7 @@
               <a:rPr lang="zh-CN" altLang="en-US"/>
               <a:t>编辑母版文本样式</a:t>
             </a:r>
+            <a:endParaRPr lang="zh-CN" altLang="en-US"/>
           </a:p>
         </p:txBody>
       </p:sp>
@@ -2459,7 +2462,6 @@
           <a:p>
             <a:fld id="{4538FD8C-A016-4894-8CD0-8673E2EC78A0}" type="datetimeFigureOut">
               <a:rPr lang="zh-CN" altLang="en-US" smtClean="0"/>
-              <a:t>2017/12/2</a:t>
             </a:fld>
             <a:endParaRPr lang="zh-CN" altLang="en-US"/>
           </a:p>
@@ -2501,18 +2503,12 @@
           <a:p>
             <a:fld id="{86F05362-A4E6-45E7-AF60-DE8E4F3AA066}" type="slidenum">
               <a:rPr lang="zh-CN" altLang="en-US" smtClean="0"/>
-              <a:t>‹#›</a:t>
             </a:fld>
             <a:endParaRPr lang="zh-CN" altLang="en-US"/>
           </a:p>
         </p:txBody>
       </p:sp>
     </p:spTree>
-    <p:extLst>
-      <p:ext uri="{BB962C8B-B14F-4D97-AF65-F5344CB8AC3E}">
-        <p14:creationId xmlns:p14="http://schemas.microsoft.com/office/powerpoint/2010/main" val="934714175"/>
-      </p:ext>
-    </p:extLst>
   </p:cSld>
   <p:clrMapOvr>
     <a:masterClrMapping/>
@@ -2567,7 +2563,7 @@
             <a:spLocks noGrp="1"/>
           </p:cNvSpPr>
           <p:nvPr>
-            <p:ph type="body" orient="vert" idx="1"/>
+            <p:ph type="body" orient="vert" idx="1" hasCustomPrompt="1"/>
           </p:nvPr>
         </p:nvSpPr>
         <p:spPr/>
@@ -2580,6 +2576,7 @@
               <a:rPr lang="zh-CN" altLang="en-US"/>
               <a:t>编辑母版文本样式</a:t>
             </a:r>
+            <a:endParaRPr lang="zh-CN" altLang="en-US"/>
           </a:p>
           <a:p>
             <a:pPr lvl="1"/>
@@ -2587,6 +2584,7 @@
               <a:rPr lang="zh-CN" altLang="en-US"/>
               <a:t>第二级</a:t>
             </a:r>
+            <a:endParaRPr lang="zh-CN" altLang="en-US"/>
           </a:p>
           <a:p>
             <a:pPr lvl="2"/>
@@ -2594,6 +2592,7 @@
               <a:rPr lang="zh-CN" altLang="en-US"/>
               <a:t>第三级</a:t>
             </a:r>
+            <a:endParaRPr lang="zh-CN" altLang="en-US"/>
           </a:p>
           <a:p>
             <a:pPr lvl="3"/>
@@ -2601,6 +2600,7 @@
               <a:rPr lang="zh-CN" altLang="en-US"/>
               <a:t>第四级</a:t>
             </a:r>
+            <a:endParaRPr lang="zh-CN" altLang="en-US"/>
           </a:p>
           <a:p>
             <a:pPr lvl="4"/>
@@ -2629,7 +2629,6 @@
           <a:p>
             <a:fld id="{4538FD8C-A016-4894-8CD0-8673E2EC78A0}" type="datetimeFigureOut">
               <a:rPr lang="zh-CN" altLang="en-US" smtClean="0"/>
-              <a:t>2017/12/2</a:t>
             </a:fld>
             <a:endParaRPr lang="zh-CN" altLang="en-US"/>
           </a:p>
@@ -2671,18 +2670,12 @@
           <a:p>
             <a:fld id="{86F05362-A4E6-45E7-AF60-DE8E4F3AA066}" type="slidenum">
               <a:rPr lang="zh-CN" altLang="en-US" smtClean="0"/>
-              <a:t>‹#›</a:t>
             </a:fld>
             <a:endParaRPr lang="zh-CN" altLang="en-US"/>
           </a:p>
         </p:txBody>
       </p:sp>
     </p:spTree>
-    <p:extLst>
-      <p:ext uri="{BB962C8B-B14F-4D97-AF65-F5344CB8AC3E}">
-        <p14:creationId xmlns:p14="http://schemas.microsoft.com/office/powerpoint/2010/main" val="1082657468"/>
-      </p:ext>
-    </p:extLst>
   </p:cSld>
   <p:clrMapOvr>
     <a:masterClrMapping/>
@@ -2742,7 +2735,7 @@
             <a:spLocks noGrp="1"/>
           </p:cNvSpPr>
           <p:nvPr>
-            <p:ph type="body" orient="vert" idx="1"/>
+            <p:ph type="body" orient="vert" idx="1" hasCustomPrompt="1"/>
           </p:nvPr>
         </p:nvSpPr>
         <p:spPr>
@@ -2760,6 +2753,7 @@
               <a:rPr lang="zh-CN" altLang="en-US"/>
               <a:t>编辑母版文本样式</a:t>
             </a:r>
+            <a:endParaRPr lang="zh-CN" altLang="en-US"/>
           </a:p>
           <a:p>
             <a:pPr lvl="1"/>
@@ -2767,6 +2761,7 @@
               <a:rPr lang="zh-CN" altLang="en-US"/>
               <a:t>第二级</a:t>
             </a:r>
+            <a:endParaRPr lang="zh-CN" altLang="en-US"/>
           </a:p>
           <a:p>
             <a:pPr lvl="2"/>
@@ -2774,6 +2769,7 @@
               <a:rPr lang="zh-CN" altLang="en-US"/>
               <a:t>第三级</a:t>
             </a:r>
+            <a:endParaRPr lang="zh-CN" altLang="en-US"/>
           </a:p>
           <a:p>
             <a:pPr lvl="3"/>
@@ -2781,6 +2777,7 @@
               <a:rPr lang="zh-CN" altLang="en-US"/>
               <a:t>第四级</a:t>
             </a:r>
+            <a:endParaRPr lang="zh-CN" altLang="en-US"/>
           </a:p>
           <a:p>
             <a:pPr lvl="4"/>
@@ -2809,7 +2806,6 @@
           <a:p>
             <a:fld id="{4538FD8C-A016-4894-8CD0-8673E2EC78A0}" type="datetimeFigureOut">
               <a:rPr lang="zh-CN" altLang="en-US" smtClean="0"/>
-              <a:t>2017/12/2</a:t>
             </a:fld>
             <a:endParaRPr lang="zh-CN" altLang="en-US"/>
           </a:p>
@@ -2851,18 +2847,12 @@
           <a:p>
             <a:fld id="{86F05362-A4E6-45E7-AF60-DE8E4F3AA066}" type="slidenum">
               <a:rPr lang="zh-CN" altLang="en-US" smtClean="0"/>
-              <a:t>‹#›</a:t>
             </a:fld>
             <a:endParaRPr lang="zh-CN" altLang="en-US"/>
           </a:p>
         </p:txBody>
       </p:sp>
     </p:spTree>
-    <p:extLst>
-      <p:ext uri="{BB962C8B-B14F-4D97-AF65-F5344CB8AC3E}">
-        <p14:creationId xmlns:p14="http://schemas.microsoft.com/office/powerpoint/2010/main" val="2050769126"/>
-      </p:ext>
-    </p:extLst>
   </p:cSld>
   <p:clrMapOvr>
     <a:masterClrMapping/>
@@ -2923,7 +2913,7 @@
             <a:spLocks noGrp="1"/>
           </p:cNvSpPr>
           <p:nvPr>
-            <p:ph idx="1"/>
+            <p:ph idx="1" hasCustomPrompt="1"/>
           </p:nvPr>
         </p:nvSpPr>
         <p:spPr/>
@@ -2936,6 +2926,7 @@
               <a:rPr lang="zh-CN" altLang="en-US"/>
               <a:t>编辑母版文本样式</a:t>
             </a:r>
+            <a:endParaRPr lang="zh-CN" altLang="en-US"/>
           </a:p>
           <a:p>
             <a:pPr lvl="1"/>
@@ -2943,6 +2934,7 @@
               <a:rPr lang="zh-CN" altLang="en-US"/>
               <a:t>第二级</a:t>
             </a:r>
+            <a:endParaRPr lang="zh-CN" altLang="en-US"/>
           </a:p>
           <a:p>
             <a:pPr lvl="2"/>
@@ -2950,6 +2942,7 @@
               <a:rPr lang="zh-CN" altLang="en-US"/>
               <a:t>第三级</a:t>
             </a:r>
+            <a:endParaRPr lang="zh-CN" altLang="en-US"/>
           </a:p>
           <a:p>
             <a:pPr lvl="3"/>
@@ -2957,6 +2950,7 @@
               <a:rPr lang="zh-CN" altLang="en-US"/>
               <a:t>第四级</a:t>
             </a:r>
+            <a:endParaRPr lang="zh-CN" altLang="en-US"/>
           </a:p>
           <a:p>
             <a:pPr lvl="4"/>
@@ -2985,7 +2979,6 @@
           <a:p>
             <a:fld id="{4538FD8C-A016-4894-8CD0-8673E2EC78A0}" type="datetimeFigureOut">
               <a:rPr lang="zh-CN" altLang="en-US" smtClean="0"/>
-              <a:t>2017/12/2</a:t>
             </a:fld>
             <a:endParaRPr lang="zh-CN" altLang="en-US"/>
           </a:p>
@@ -3027,18 +3020,12 @@
           <a:p>
             <a:fld id="{86F05362-A4E6-45E7-AF60-DE8E4F3AA066}" type="slidenum">
               <a:rPr lang="zh-CN" altLang="en-US" smtClean="0"/>
-              <a:t>‹#›</a:t>
             </a:fld>
             <a:endParaRPr lang="zh-CN" altLang="en-US"/>
           </a:p>
         </p:txBody>
       </p:sp>
     </p:spTree>
-    <p:extLst>
-      <p:ext uri="{BB962C8B-B14F-4D97-AF65-F5344CB8AC3E}">
-        <p14:creationId xmlns:p14="http://schemas.microsoft.com/office/powerpoint/2010/main" val="243393905"/>
-      </p:ext>
-    </p:extLst>
   </p:cSld>
   <p:clrMapOvr>
     <a:masterClrMapping/>
@@ -3102,7 +3089,7 @@
             <a:spLocks noGrp="1"/>
           </p:cNvSpPr>
           <p:nvPr>
-            <p:ph type="body" idx="1"/>
+            <p:ph type="body" idx="1" hasCustomPrompt="1"/>
           </p:nvPr>
         </p:nvSpPr>
         <p:spPr>
@@ -3212,6 +3199,7 @@
               <a:rPr lang="zh-CN" altLang="en-US"/>
               <a:t>编辑母版文本样式</a:t>
             </a:r>
+            <a:endParaRPr lang="zh-CN" altLang="en-US"/>
           </a:p>
         </p:txBody>
       </p:sp>
@@ -3232,7 +3220,6 @@
           <a:p>
             <a:fld id="{4538FD8C-A016-4894-8CD0-8673E2EC78A0}" type="datetimeFigureOut">
               <a:rPr lang="zh-CN" altLang="en-US" smtClean="0"/>
-              <a:t>2017/12/2</a:t>
             </a:fld>
             <a:endParaRPr lang="zh-CN" altLang="en-US"/>
           </a:p>
@@ -3274,18 +3261,12 @@
           <a:p>
             <a:fld id="{86F05362-A4E6-45E7-AF60-DE8E4F3AA066}" type="slidenum">
               <a:rPr lang="zh-CN" altLang="en-US" smtClean="0"/>
-              <a:t>‹#›</a:t>
             </a:fld>
             <a:endParaRPr lang="zh-CN" altLang="en-US"/>
           </a:p>
         </p:txBody>
       </p:sp>
     </p:spTree>
-    <p:extLst>
-      <p:ext uri="{BB962C8B-B14F-4D97-AF65-F5344CB8AC3E}">
-        <p14:creationId xmlns:p14="http://schemas.microsoft.com/office/powerpoint/2010/main" val="1025484189"/>
-      </p:ext>
-    </p:extLst>
   </p:cSld>
   <p:clrMapOvr>
     <a:masterClrMapping/>
@@ -3340,7 +3321,7 @@
             <a:spLocks noGrp="1"/>
           </p:cNvSpPr>
           <p:nvPr>
-            <p:ph sz="half" idx="1"/>
+            <p:ph sz="half" idx="1" hasCustomPrompt="1"/>
           </p:nvPr>
         </p:nvSpPr>
         <p:spPr>
@@ -3358,6 +3339,7 @@
               <a:rPr lang="zh-CN" altLang="en-US"/>
               <a:t>编辑母版文本样式</a:t>
             </a:r>
+            <a:endParaRPr lang="zh-CN" altLang="en-US"/>
           </a:p>
           <a:p>
             <a:pPr lvl="1"/>
@@ -3365,6 +3347,7 @@
               <a:rPr lang="zh-CN" altLang="en-US"/>
               <a:t>第二级</a:t>
             </a:r>
+            <a:endParaRPr lang="zh-CN" altLang="en-US"/>
           </a:p>
           <a:p>
             <a:pPr lvl="2"/>
@@ -3372,6 +3355,7 @@
               <a:rPr lang="zh-CN" altLang="en-US"/>
               <a:t>第三级</a:t>
             </a:r>
+            <a:endParaRPr lang="zh-CN" altLang="en-US"/>
           </a:p>
           <a:p>
             <a:pPr lvl="3"/>
@@ -3379,6 +3363,7 @@
               <a:rPr lang="zh-CN" altLang="en-US"/>
               <a:t>第四级</a:t>
             </a:r>
+            <a:endParaRPr lang="zh-CN" altLang="en-US"/>
           </a:p>
           <a:p>
             <a:pPr lvl="4"/>
@@ -3397,7 +3382,7 @@
             <a:spLocks noGrp="1"/>
           </p:cNvSpPr>
           <p:nvPr>
-            <p:ph sz="half" idx="2"/>
+            <p:ph sz="half" idx="2" hasCustomPrompt="1"/>
           </p:nvPr>
         </p:nvSpPr>
         <p:spPr>
@@ -3415,6 +3400,7 @@
               <a:rPr lang="zh-CN" altLang="en-US"/>
               <a:t>编辑母版文本样式</a:t>
             </a:r>
+            <a:endParaRPr lang="zh-CN" altLang="en-US"/>
           </a:p>
           <a:p>
             <a:pPr lvl="1"/>
@@ -3422,6 +3408,7 @@
               <a:rPr lang="zh-CN" altLang="en-US"/>
               <a:t>第二级</a:t>
             </a:r>
+            <a:endParaRPr lang="zh-CN" altLang="en-US"/>
           </a:p>
           <a:p>
             <a:pPr lvl="2"/>
@@ -3429,6 +3416,7 @@
               <a:rPr lang="zh-CN" altLang="en-US"/>
               <a:t>第三级</a:t>
             </a:r>
+            <a:endParaRPr lang="zh-CN" altLang="en-US"/>
           </a:p>
           <a:p>
             <a:pPr lvl="3"/>
@@ -3436,6 +3424,7 @@
               <a:rPr lang="zh-CN" altLang="en-US"/>
               <a:t>第四级</a:t>
             </a:r>
+            <a:endParaRPr lang="zh-CN" altLang="en-US"/>
           </a:p>
           <a:p>
             <a:pPr lvl="4"/>
@@ -3464,7 +3453,6 @@
           <a:p>
             <a:fld id="{4538FD8C-A016-4894-8CD0-8673E2EC78A0}" type="datetimeFigureOut">
               <a:rPr lang="zh-CN" altLang="en-US" smtClean="0"/>
-              <a:t>2017/12/2</a:t>
             </a:fld>
             <a:endParaRPr lang="zh-CN" altLang="en-US"/>
           </a:p>
@@ -3506,18 +3494,12 @@
           <a:p>
             <a:fld id="{86F05362-A4E6-45E7-AF60-DE8E4F3AA066}" type="slidenum">
               <a:rPr lang="zh-CN" altLang="en-US" smtClean="0"/>
-              <a:t>‹#›</a:t>
             </a:fld>
             <a:endParaRPr lang="zh-CN" altLang="en-US"/>
           </a:p>
         </p:txBody>
       </p:sp>
     </p:spTree>
-    <p:extLst>
-      <p:ext uri="{BB962C8B-B14F-4D97-AF65-F5344CB8AC3E}">
-        <p14:creationId xmlns:p14="http://schemas.microsoft.com/office/powerpoint/2010/main" val="502116427"/>
-      </p:ext>
-    </p:extLst>
   </p:cSld>
   <p:clrMapOvr>
     <a:masterClrMapping/>
@@ -3576,7 +3558,7 @@
             <a:spLocks noGrp="1"/>
           </p:cNvSpPr>
           <p:nvPr>
-            <p:ph type="body" idx="1"/>
+            <p:ph type="body" idx="1" hasCustomPrompt="1"/>
           </p:nvPr>
         </p:nvSpPr>
         <p:spPr>
@@ -3633,6 +3615,7 @@
               <a:rPr lang="zh-CN" altLang="en-US"/>
               <a:t>编辑母版文本样式</a:t>
             </a:r>
+            <a:endParaRPr lang="zh-CN" altLang="en-US"/>
           </a:p>
         </p:txBody>
       </p:sp>
@@ -3643,7 +3626,7 @@
             <a:spLocks noGrp="1"/>
           </p:cNvSpPr>
           <p:nvPr>
-            <p:ph sz="half" idx="2"/>
+            <p:ph sz="half" idx="2" hasCustomPrompt="1"/>
           </p:nvPr>
         </p:nvSpPr>
         <p:spPr>
@@ -3663,6 +3646,7 @@
               <a:rPr lang="zh-CN" altLang="en-US"/>
               <a:t>编辑母版文本样式</a:t>
             </a:r>
+            <a:endParaRPr lang="zh-CN" altLang="en-US"/>
           </a:p>
           <a:p>
             <a:pPr lvl="1"/>
@@ -3670,6 +3654,7 @@
               <a:rPr lang="zh-CN" altLang="en-US"/>
               <a:t>第二级</a:t>
             </a:r>
+            <a:endParaRPr lang="zh-CN" altLang="en-US"/>
           </a:p>
           <a:p>
             <a:pPr lvl="2"/>
@@ -3677,6 +3662,7 @@
               <a:rPr lang="zh-CN" altLang="en-US"/>
               <a:t>第三级</a:t>
             </a:r>
+            <a:endParaRPr lang="zh-CN" altLang="en-US"/>
           </a:p>
           <a:p>
             <a:pPr lvl="3"/>
@@ -3684,6 +3670,7 @@
               <a:rPr lang="zh-CN" altLang="en-US"/>
               <a:t>第四级</a:t>
             </a:r>
+            <a:endParaRPr lang="zh-CN" altLang="en-US"/>
           </a:p>
           <a:p>
             <a:pPr lvl="4"/>
@@ -3702,7 +3689,7 @@
             <a:spLocks noGrp="1"/>
           </p:cNvSpPr>
           <p:nvPr>
-            <p:ph type="body" sz="quarter" idx="3"/>
+            <p:ph type="body" sz="quarter" idx="3" hasCustomPrompt="1"/>
           </p:nvPr>
         </p:nvSpPr>
         <p:spPr>
@@ -3759,6 +3746,7 @@
               <a:rPr lang="zh-CN" altLang="en-US"/>
               <a:t>编辑母版文本样式</a:t>
             </a:r>
+            <a:endParaRPr lang="zh-CN" altLang="en-US"/>
           </a:p>
         </p:txBody>
       </p:sp>
@@ -3769,7 +3757,7 @@
             <a:spLocks noGrp="1"/>
           </p:cNvSpPr>
           <p:nvPr>
-            <p:ph sz="quarter" idx="4"/>
+            <p:ph sz="quarter" idx="4" hasCustomPrompt="1"/>
           </p:nvPr>
         </p:nvSpPr>
         <p:spPr>
@@ -3789,6 +3777,7 @@
               <a:rPr lang="zh-CN" altLang="en-US"/>
               <a:t>编辑母版文本样式</a:t>
             </a:r>
+            <a:endParaRPr lang="zh-CN" altLang="en-US"/>
           </a:p>
           <a:p>
             <a:pPr lvl="1"/>
@@ -3796,6 +3785,7 @@
               <a:rPr lang="zh-CN" altLang="en-US"/>
               <a:t>第二级</a:t>
             </a:r>
+            <a:endParaRPr lang="zh-CN" altLang="en-US"/>
           </a:p>
           <a:p>
             <a:pPr lvl="2"/>
@@ -3803,6 +3793,7 @@
               <a:rPr lang="zh-CN" altLang="en-US"/>
               <a:t>第三级</a:t>
             </a:r>
+            <a:endParaRPr lang="zh-CN" altLang="en-US"/>
           </a:p>
           <a:p>
             <a:pPr lvl="3"/>
@@ -3810,6 +3801,7 @@
               <a:rPr lang="zh-CN" altLang="en-US"/>
               <a:t>第四级</a:t>
             </a:r>
+            <a:endParaRPr lang="zh-CN" altLang="en-US"/>
           </a:p>
           <a:p>
             <a:pPr lvl="4"/>
@@ -3838,7 +3830,6 @@
           <a:p>
             <a:fld id="{4538FD8C-A016-4894-8CD0-8673E2EC78A0}" type="datetimeFigureOut">
               <a:rPr lang="zh-CN" altLang="en-US" smtClean="0"/>
-              <a:t>2017/12/2</a:t>
             </a:fld>
             <a:endParaRPr lang="zh-CN" altLang="en-US"/>
           </a:p>
@@ -3880,18 +3871,12 @@
           <a:p>
             <a:fld id="{86F05362-A4E6-45E7-AF60-DE8E4F3AA066}" type="slidenum">
               <a:rPr lang="zh-CN" altLang="en-US" smtClean="0"/>
-              <a:t>‹#›</a:t>
             </a:fld>
             <a:endParaRPr lang="zh-CN" altLang="en-US"/>
           </a:p>
         </p:txBody>
       </p:sp>
     </p:spTree>
-    <p:extLst>
-      <p:ext uri="{BB962C8B-B14F-4D97-AF65-F5344CB8AC3E}">
-        <p14:creationId xmlns:p14="http://schemas.microsoft.com/office/powerpoint/2010/main" val="2882344983"/>
-      </p:ext>
-    </p:extLst>
   </p:cSld>
   <p:clrMapOvr>
     <a:masterClrMapping/>
@@ -3961,7 +3946,6 @@
           <a:p>
             <a:fld id="{4538FD8C-A016-4894-8CD0-8673E2EC78A0}" type="datetimeFigureOut">
               <a:rPr lang="zh-CN" altLang="en-US" smtClean="0"/>
-              <a:t>2017/12/2</a:t>
             </a:fld>
             <a:endParaRPr lang="zh-CN" altLang="en-US"/>
           </a:p>
@@ -4003,18 +3987,12 @@
           <a:p>
             <a:fld id="{86F05362-A4E6-45E7-AF60-DE8E4F3AA066}" type="slidenum">
               <a:rPr lang="zh-CN" altLang="en-US" smtClean="0"/>
-              <a:t>‹#›</a:t>
             </a:fld>
             <a:endParaRPr lang="zh-CN" altLang="en-US"/>
           </a:p>
         </p:txBody>
       </p:sp>
     </p:spTree>
-    <p:extLst>
-      <p:ext uri="{BB962C8B-B14F-4D97-AF65-F5344CB8AC3E}">
-        <p14:creationId xmlns:p14="http://schemas.microsoft.com/office/powerpoint/2010/main" val="2493903311"/>
-      </p:ext>
-    </p:extLst>
   </p:cSld>
   <p:clrMapOvr>
     <a:masterClrMapping/>
@@ -4056,7 +4034,6 @@
           <a:p>
             <a:fld id="{4538FD8C-A016-4894-8CD0-8673E2EC78A0}" type="datetimeFigureOut">
               <a:rPr lang="zh-CN" altLang="en-US" smtClean="0"/>
-              <a:t>2017/12/2</a:t>
             </a:fld>
             <a:endParaRPr lang="zh-CN" altLang="en-US"/>
           </a:p>
@@ -4098,18 +4075,12 @@
           <a:p>
             <a:fld id="{86F05362-A4E6-45E7-AF60-DE8E4F3AA066}" type="slidenum">
               <a:rPr lang="zh-CN" altLang="en-US" smtClean="0"/>
-              <a:t>‹#›</a:t>
             </a:fld>
             <a:endParaRPr lang="zh-CN" altLang="en-US"/>
           </a:p>
         </p:txBody>
       </p:sp>
     </p:spTree>
-    <p:extLst>
-      <p:ext uri="{BB962C8B-B14F-4D97-AF65-F5344CB8AC3E}">
-        <p14:creationId xmlns:p14="http://schemas.microsoft.com/office/powerpoint/2010/main" val="3280818484"/>
-      </p:ext>
-    </p:extLst>
   </p:cSld>
   <p:clrMapOvr>
     <a:masterClrMapping/>
@@ -4175,7 +4146,7 @@
             <a:spLocks noGrp="1"/>
           </p:cNvSpPr>
           <p:nvPr>
-            <p:ph idx="1"/>
+            <p:ph idx="1" hasCustomPrompt="1"/>
           </p:nvPr>
         </p:nvSpPr>
         <p:spPr>
@@ -4195,6 +4166,7 @@
               <a:rPr lang="zh-CN" altLang="en-US"/>
               <a:t>编辑母版文本样式</a:t>
             </a:r>
+            <a:endParaRPr lang="zh-CN" altLang="en-US"/>
           </a:p>
           <a:p>
             <a:pPr lvl="1"/>
@@ -4202,6 +4174,7 @@
               <a:rPr lang="zh-CN" altLang="en-US"/>
               <a:t>第二级</a:t>
             </a:r>
+            <a:endParaRPr lang="zh-CN" altLang="en-US"/>
           </a:p>
           <a:p>
             <a:pPr lvl="2"/>
@@ -4209,6 +4182,7 @@
               <a:rPr lang="zh-CN" altLang="en-US"/>
               <a:t>第三级</a:t>
             </a:r>
+            <a:endParaRPr lang="zh-CN" altLang="en-US"/>
           </a:p>
           <a:p>
             <a:pPr lvl="3"/>
@@ -4216,6 +4190,7 @@
               <a:rPr lang="zh-CN" altLang="en-US"/>
               <a:t>第四级</a:t>
             </a:r>
+            <a:endParaRPr lang="zh-CN" altLang="en-US"/>
           </a:p>
           <a:p>
             <a:pPr lvl="4"/>
@@ -4234,7 +4209,7 @@
             <a:spLocks noGrp="1"/>
           </p:cNvSpPr>
           <p:nvPr>
-            <p:ph type="body" sz="half" idx="2"/>
+            <p:ph type="body" sz="half" idx="2" hasCustomPrompt="1"/>
           </p:nvPr>
         </p:nvSpPr>
         <p:spPr>
@@ -4252,35 +4227,35 @@
               <a:buNone/>
               <a:defRPr sz="1400"/>
             </a:lvl1pPr>
-            <a:lvl2pPr marL="457063" indent="0">
+            <a:lvl2pPr marL="457200" indent="0">
               <a:buNone/>
               <a:defRPr sz="1400"/>
             </a:lvl2pPr>
-            <a:lvl3pPr marL="914126" indent="0">
+            <a:lvl3pPr marL="914400" indent="0">
               <a:buNone/>
               <a:defRPr sz="1200"/>
             </a:lvl3pPr>
-            <a:lvl4pPr marL="1371189" indent="0">
+            <a:lvl4pPr marL="1370965" indent="0">
               <a:buNone/>
               <a:defRPr sz="1000"/>
             </a:lvl4pPr>
-            <a:lvl5pPr marL="1828251" indent="0">
+            <a:lvl5pPr marL="1828165" indent="0">
               <a:buNone/>
               <a:defRPr sz="1000"/>
             </a:lvl5pPr>
-            <a:lvl6pPr marL="2285314" indent="0">
+            <a:lvl6pPr marL="2285365" indent="0">
               <a:buNone/>
               <a:defRPr sz="1000"/>
             </a:lvl6pPr>
-            <a:lvl7pPr marL="2742377" indent="0">
+            <a:lvl7pPr marL="2742565" indent="0">
               <a:buNone/>
               <a:defRPr sz="1000"/>
             </a:lvl7pPr>
-            <a:lvl8pPr marL="3199440" indent="0">
+            <a:lvl8pPr marL="3199130" indent="0">
               <a:buNone/>
               <a:defRPr sz="1000"/>
             </a:lvl8pPr>
-            <a:lvl9pPr marL="3656503" indent="0">
+            <a:lvl9pPr marL="3656330" indent="0">
               <a:buNone/>
               <a:defRPr sz="1000"/>
             </a:lvl9pPr>
@@ -4291,6 +4266,7 @@
               <a:rPr lang="zh-CN" altLang="en-US"/>
               <a:t>编辑母版文本样式</a:t>
             </a:r>
+            <a:endParaRPr lang="zh-CN" altLang="en-US"/>
           </a:p>
         </p:txBody>
       </p:sp>
@@ -4311,7 +4287,6 @@
           <a:p>
             <a:fld id="{4538FD8C-A016-4894-8CD0-8673E2EC78A0}" type="datetimeFigureOut">
               <a:rPr lang="zh-CN" altLang="en-US" smtClean="0"/>
-              <a:t>2017/12/2</a:t>
             </a:fld>
             <a:endParaRPr lang="zh-CN" altLang="en-US"/>
           </a:p>
@@ -4353,18 +4328,12 @@
           <a:p>
             <a:fld id="{86F05362-A4E6-45E7-AF60-DE8E4F3AA066}" type="slidenum">
               <a:rPr lang="zh-CN" altLang="en-US" smtClean="0"/>
-              <a:t>‹#›</a:t>
             </a:fld>
             <a:endParaRPr lang="zh-CN" altLang="en-US"/>
           </a:p>
         </p:txBody>
       </p:sp>
     </p:spTree>
-    <p:extLst>
-      <p:ext uri="{BB962C8B-B14F-4D97-AF65-F5344CB8AC3E}">
-        <p14:creationId xmlns:p14="http://schemas.microsoft.com/office/powerpoint/2010/main" val="3312581333"/>
-      </p:ext>
-    </p:extLst>
   </p:cSld>
   <p:clrMapOvr>
     <a:masterClrMapping/>
@@ -4497,7 +4466,7 @@
             <a:spLocks noGrp="1"/>
           </p:cNvSpPr>
           <p:nvPr>
-            <p:ph type="body" sz="half" idx="2"/>
+            <p:ph type="body" sz="half" idx="2" hasCustomPrompt="1"/>
           </p:nvPr>
         </p:nvSpPr>
         <p:spPr>
@@ -4554,6 +4523,7 @@
               <a:rPr lang="zh-CN" altLang="en-US"/>
               <a:t>编辑母版文本样式</a:t>
             </a:r>
+            <a:endParaRPr lang="zh-CN" altLang="en-US"/>
           </a:p>
         </p:txBody>
       </p:sp>
@@ -4574,7 +4544,6 @@
           <a:p>
             <a:fld id="{4538FD8C-A016-4894-8CD0-8673E2EC78A0}" type="datetimeFigureOut">
               <a:rPr lang="zh-CN" altLang="en-US" smtClean="0"/>
-              <a:t>2017/12/2</a:t>
             </a:fld>
             <a:endParaRPr lang="zh-CN" altLang="en-US"/>
           </a:p>
@@ -4616,18 +4585,12 @@
           <a:p>
             <a:fld id="{86F05362-A4E6-45E7-AF60-DE8E4F3AA066}" type="slidenum">
               <a:rPr lang="zh-CN" altLang="en-US" smtClean="0"/>
-              <a:t>‹#›</a:t>
             </a:fld>
             <a:endParaRPr lang="zh-CN" altLang="en-US"/>
           </a:p>
         </p:txBody>
       </p:sp>
     </p:spTree>
-    <p:extLst>
-      <p:ext uri="{BB962C8B-B14F-4D97-AF65-F5344CB8AC3E}">
-        <p14:creationId xmlns:p14="http://schemas.microsoft.com/office/powerpoint/2010/main" val="4057613592"/>
-      </p:ext>
-    </p:extLst>
   </p:cSld>
   <p:clrMapOvr>
     <a:masterClrMapping/>
@@ -5250,6 +5213,7 @@
               <a:rPr lang="zh-CN" altLang="en-US"/>
               <a:t>编辑母版文本样式</a:t>
             </a:r>
+            <a:endParaRPr lang="zh-CN" altLang="en-US"/>
           </a:p>
           <a:p>
             <a:pPr lvl="1"/>
@@ -5257,6 +5221,7 @@
               <a:rPr lang="zh-CN" altLang="en-US"/>
               <a:t>第二级</a:t>
             </a:r>
+            <a:endParaRPr lang="zh-CN" altLang="en-US"/>
           </a:p>
           <a:p>
             <a:pPr lvl="2"/>
@@ -5264,6 +5229,7 @@
               <a:rPr lang="zh-CN" altLang="en-US"/>
               <a:t>第三级</a:t>
             </a:r>
+            <a:endParaRPr lang="zh-CN" altLang="en-US"/>
           </a:p>
           <a:p>
             <a:pPr lvl="3"/>
@@ -5271,6 +5237,7 @@
               <a:rPr lang="zh-CN" altLang="en-US"/>
               <a:t>第四级</a:t>
             </a:r>
+            <a:endParaRPr lang="zh-CN" altLang="en-US"/>
           </a:p>
           <a:p>
             <a:pPr lvl="4"/>
@@ -5317,7 +5284,6 @@
           <a:p>
             <a:fld id="{4538FD8C-A016-4894-8CD0-8673E2EC78A0}" type="datetimeFigureOut">
               <a:rPr lang="zh-CN" altLang="en-US" smtClean="0"/>
-              <a:t>2017/12/2</a:t>
             </a:fld>
             <a:endParaRPr lang="zh-CN" altLang="en-US"/>
           </a:p>
@@ -5393,37 +5359,31 @@
           <a:p>
             <a:fld id="{86F05362-A4E6-45E7-AF60-DE8E4F3AA066}" type="slidenum">
               <a:rPr lang="zh-CN" altLang="en-US" smtClean="0"/>
-              <a:t>‹#›</a:t>
             </a:fld>
             <a:endParaRPr lang="zh-CN" altLang="en-US"/>
           </a:p>
         </p:txBody>
       </p:sp>
     </p:spTree>
-    <p:extLst>
-      <p:ext uri="{BB962C8B-B14F-4D97-AF65-F5344CB8AC3E}">
-        <p14:creationId xmlns:p14="http://schemas.microsoft.com/office/powerpoint/2010/main" val="343683121"/>
-      </p:ext>
-    </p:extLst>
   </p:cSld>
   <p:clrMap bg1="lt1" tx1="dk1" bg2="lt2" tx2="dk2" accent1="accent1" accent2="accent2" accent3="accent3" accent4="accent4" accent5="accent5" accent6="accent6" hlink="hlink" folHlink="folHlink"/>
   <p:sldLayoutIdLst>
-    <p:sldLayoutId id="2147483883" r:id="rId1"/>
-    <p:sldLayoutId id="2147483884" r:id="rId2"/>
-    <p:sldLayoutId id="2147483885" r:id="rId3"/>
-    <p:sldLayoutId id="2147483886" r:id="rId4"/>
-    <p:sldLayoutId id="2147483887" r:id="rId5"/>
-    <p:sldLayoutId id="2147483888" r:id="rId6"/>
-    <p:sldLayoutId id="2147483889" r:id="rId7"/>
-    <p:sldLayoutId id="2147483890" r:id="rId8"/>
-    <p:sldLayoutId id="2147483891" r:id="rId9"/>
-    <p:sldLayoutId id="2147483892" r:id="rId10"/>
-    <p:sldLayoutId id="2147483893" r:id="rId11"/>
-    <p:sldLayoutId id="2147483894" r:id="rId12"/>
-    <p:sldLayoutId id="2147483895" r:id="rId13"/>
-    <p:sldLayoutId id="2147483896" r:id="rId14"/>
-    <p:sldLayoutId id="2147483897" r:id="rId15"/>
-    <p:sldLayoutId id="2147483898" r:id="rId16"/>
+    <p:sldLayoutId id="2147483649" r:id="rId1"/>
+    <p:sldLayoutId id="2147483650" r:id="rId2"/>
+    <p:sldLayoutId id="2147483651" r:id="rId3"/>
+    <p:sldLayoutId id="2147483652" r:id="rId4"/>
+    <p:sldLayoutId id="2147483653" r:id="rId5"/>
+    <p:sldLayoutId id="2147483654" r:id="rId6"/>
+    <p:sldLayoutId id="2147483655" r:id="rId7"/>
+    <p:sldLayoutId id="2147483656" r:id="rId8"/>
+    <p:sldLayoutId id="2147483657" r:id="rId9"/>
+    <p:sldLayoutId id="2147483658" r:id="rId10"/>
+    <p:sldLayoutId id="2147483659" r:id="rId11"/>
+    <p:sldLayoutId id="2147483660" r:id="rId12"/>
+    <p:sldLayoutId id="2147483661" r:id="rId13"/>
+    <p:sldLayoutId id="2147483662" r:id="rId14"/>
+    <p:sldLayoutId id="2147483663" r:id="rId15"/>
+    <p:sldLayoutId id="2147483664" r:id="rId16"/>
   </p:sldLayoutIdLst>
   <p:txStyles>
     <p:titleStyle>
@@ -5510,7 +5470,7 @@
           <a:schemeClr val="accent1"/>
         </a:buClr>
         <a:buSzPct val="80000"/>
-        <a:buFont typeface="Wingdings 3" charset="2"/>
+        <a:buFont typeface="Wingdings 3" panose="05040102010807070707" charset="2"/>
         <a:buChar char=""/>
         <a:defRPr sz="1800" kern="1200">
           <a:solidFill>
@@ -5535,7 +5495,7 @@
           <a:schemeClr val="accent1"/>
         </a:buClr>
         <a:buSzPct val="80000"/>
-        <a:buFont typeface="Wingdings 3" charset="2"/>
+        <a:buFont typeface="Wingdings 3" panose="05040102010807070707" charset="2"/>
         <a:buChar char=""/>
         <a:defRPr sz="1600" kern="1200">
           <a:solidFill>
@@ -5560,7 +5520,7 @@
           <a:schemeClr val="accent1"/>
         </a:buClr>
         <a:buSzPct val="80000"/>
-        <a:buFont typeface="Wingdings 3" charset="2"/>
+        <a:buFont typeface="Wingdings 3" panose="05040102010807070707" charset="2"/>
         <a:buChar char=""/>
         <a:defRPr sz="1400" kern="1200">
           <a:solidFill>
@@ -5585,7 +5545,7 @@
           <a:schemeClr val="accent1"/>
         </a:buClr>
         <a:buSzPct val="80000"/>
-        <a:buFont typeface="Wingdings 3" charset="2"/>
+        <a:buFont typeface="Wingdings 3" panose="05040102010807070707" charset="2"/>
         <a:buChar char=""/>
         <a:defRPr sz="1200" kern="1200">
           <a:solidFill>
@@ -5610,7 +5570,7 @@
           <a:schemeClr val="accent1"/>
         </a:buClr>
         <a:buSzPct val="80000"/>
-        <a:buFont typeface="Wingdings 3" charset="2"/>
+        <a:buFont typeface="Wingdings 3" panose="05040102010807070707" charset="2"/>
         <a:buChar char=""/>
         <a:defRPr sz="1200" kern="1200">
           <a:solidFill>
@@ -5635,7 +5595,7 @@
           <a:schemeClr val="accent1"/>
         </a:buClr>
         <a:buSzPct val="80000"/>
-        <a:buFont typeface="Wingdings 3" charset="2"/>
+        <a:buFont typeface="Wingdings 3" panose="05040102010807070707" charset="2"/>
         <a:buChar char=""/>
         <a:defRPr sz="1200" kern="1200">
           <a:solidFill>
@@ -5660,7 +5620,7 @@
           <a:schemeClr val="accent1"/>
         </a:buClr>
         <a:buSzPct val="80000"/>
-        <a:buFont typeface="Wingdings 3" charset="2"/>
+        <a:buFont typeface="Wingdings 3" panose="05040102010807070707" charset="2"/>
         <a:buChar char=""/>
         <a:defRPr sz="1200" kern="1200">
           <a:solidFill>
@@ -5685,7 +5645,7 @@
           <a:schemeClr val="accent1"/>
         </a:buClr>
         <a:buSzPct val="80000"/>
-        <a:buFont typeface="Wingdings 3" charset="2"/>
+        <a:buFont typeface="Wingdings 3" panose="05040102010807070707" charset="2"/>
         <a:buChar char=""/>
         <a:defRPr sz="1200" kern="1200">
           <a:solidFill>
@@ -5710,7 +5670,7 @@
           <a:schemeClr val="accent1"/>
         </a:buClr>
         <a:buSzPct val="80000"/>
-        <a:buFont typeface="Wingdings 3" charset="2"/>
+        <a:buFont typeface="Wingdings 3" panose="05040102010807070707" charset="2"/>
         <a:buChar char=""/>
         <a:defRPr sz="1200" kern="1200">
           <a:solidFill>
@@ -5843,13 +5803,7 @@
       </p:grpSpPr>
       <p:sp>
         <p:nvSpPr>
-          <p:cNvPr id="2" name="标题 1">
-            <a:extLst>
-              <a:ext uri="{FF2B5EF4-FFF2-40B4-BE49-F238E27FC236}">
-                <a16:creationId xmlns:a16="http://schemas.microsoft.com/office/drawing/2014/main" id="{D11F95D0-017B-4338-BD02-AE15A2F0B5D2}"/>
-              </a:ext>
-            </a:extLst>
-          </p:cNvPr>
+          <p:cNvPr id="2" name="标题 1"/>
           <p:cNvSpPr>
             <a:spLocks noGrp="1"/>
           </p:cNvSpPr>
@@ -5872,18 +5826,13 @@
               <a:rPr lang="zh-CN" altLang="en-US" sz="8000" dirty="0"/>
               <a:t>乐学堂</a:t>
             </a:r>
-          </a:p>
-        </p:txBody>
-      </p:sp>
-      <p:sp>
-        <p:nvSpPr>
-          <p:cNvPr id="3" name="副标题 2">
-            <a:extLst>
-              <a:ext uri="{FF2B5EF4-FFF2-40B4-BE49-F238E27FC236}">
-                <a16:creationId xmlns:a16="http://schemas.microsoft.com/office/drawing/2014/main" id="{46F5C50B-DD3D-4C41-8CBE-251C91B06E3A}"/>
-              </a:ext>
-            </a:extLst>
-          </p:cNvPr>
+            <a:endParaRPr lang="zh-CN" altLang="en-US" sz="8000" dirty="0"/>
+          </a:p>
+        </p:txBody>
+      </p:sp>
+      <p:sp>
+        <p:nvSpPr>
+          <p:cNvPr id="3" name="副标题 2"/>
           <p:cNvSpPr>
             <a:spLocks noGrp="1"/>
           </p:cNvSpPr>
@@ -5905,15 +5854,11 @@
               <a:rPr lang="zh-CN" altLang="en-US" dirty="0"/>
               <a:t>制作人：庆威伟、朱柏乐</a:t>
             </a:r>
+            <a:endParaRPr lang="zh-CN" altLang="en-US" dirty="0"/>
           </a:p>
         </p:txBody>
       </p:sp>
     </p:spTree>
-    <p:extLst>
-      <p:ext uri="{BB962C8B-B14F-4D97-AF65-F5344CB8AC3E}">
-        <p14:creationId xmlns:p14="http://schemas.microsoft.com/office/powerpoint/2010/main" val="1381003706"/>
-      </p:ext>
-    </p:extLst>
   </p:cSld>
   <p:clrMapOvr>
     <a:masterClrMapping/>
@@ -5975,7 +5920,7 @@
                                     </p:set>
                                     <p:animEffect transition="in" filter="fade">
                                       <p:cBhvr>
-                                        <p:cTn id="7" dur="4000"/>
+                                        <p:cTn id="7" dur="1000"/>
                                         <p:tgtEl>
                                           <p:spTgt spid="2"/>
                                         </p:tgtEl>
@@ -5983,7 +5928,7 @@
                                     </p:animEffect>
                                     <p:anim calcmode="lin" valueType="num">
                                       <p:cBhvr>
-                                        <p:cTn id="8" dur="4000" fill="hold"/>
+                                        <p:cTn id="8" dur="1000" fill="hold"/>
                                         <p:tgtEl>
                                           <p:spTgt spid="2"/>
                                         </p:tgtEl>
@@ -6006,7 +5951,7 @@
                                     </p:anim>
                                     <p:anim calcmode="lin" valueType="num">
                                       <p:cBhvr>
-                                        <p:cTn id="9" dur="4000" fill="hold"/>
+                                        <p:cTn id="9" dur="1000" fill="hold"/>
                                         <p:tgtEl>
                                           <p:spTgt spid="2"/>
                                         </p:tgtEl>
@@ -6036,7 +5981,7 @@
                         <p:par>
                           <p:cTn id="10" fill="hold">
                             <p:stCondLst>
-                              <p:cond delay="4000"/>
+                              <p:cond delay="1000"/>
                             </p:stCondLst>
                             <p:childTnLst>
                               <p:par>
@@ -6136,13 +6081,7 @@
       </p:grpSpPr>
       <p:sp>
         <p:nvSpPr>
-          <p:cNvPr id="3" name="内容占位符 2">
-            <a:extLst>
-              <a:ext uri="{FF2B5EF4-FFF2-40B4-BE49-F238E27FC236}">
-                <a16:creationId xmlns:a16="http://schemas.microsoft.com/office/drawing/2014/main" id="{8099F8A4-6328-4FC1-B6D9-4ED7A0177608}"/>
-              </a:ext>
-            </a:extLst>
-          </p:cNvPr>
+          <p:cNvPr id="3" name="内容占位符 2"/>
           <p:cNvSpPr>
             <a:spLocks noGrp="1"/>
           </p:cNvSpPr>
@@ -6174,7 +6113,7 @@
             </a:r>
             <a:r>
               <a:rPr lang="zh-CN" altLang="en-US" dirty="0"/>
-              <a:t>前端介绍，还有我们的教学计划和我们的教师团队，让我们更加了解</a:t>
+              <a:t>前端介绍，还有我们的教学计划和云学堂的教师团队，让我们更加了解</a:t>
             </a:r>
             <a:r>
               <a:rPr lang="en-US" altLang="zh-CN" dirty="0"/>
@@ -6184,25 +6123,20 @@
               <a:rPr lang="zh-CN" altLang="en-US" dirty="0"/>
               <a:t>这个行业</a:t>
             </a:r>
+            <a:endParaRPr lang="zh-CN" altLang="en-US" dirty="0"/>
           </a:p>
         </p:txBody>
       </p:sp>
       <p:pic>
         <p:nvPicPr>
-          <p:cNvPr id="9" name="图片 8">
-            <a:extLst>
-              <a:ext uri="{FF2B5EF4-FFF2-40B4-BE49-F238E27FC236}">
-                <a16:creationId xmlns:a16="http://schemas.microsoft.com/office/drawing/2014/main" id="{EFD94CD4-9AE5-454E-AFC2-3D9D26E24F16}"/>
-              </a:ext>
-            </a:extLst>
-          </p:cNvPr>
+          <p:cNvPr id="9" name="图片 8"/>
           <p:cNvPicPr>
             <a:picLocks noChangeAspect="1"/>
           </p:cNvPicPr>
           <p:nvPr/>
         </p:nvPicPr>
         <p:blipFill>
-          <a:blip r:embed="rId2">
+          <a:blip r:embed="rId1">
             <a:extLst>
               <a:ext uri="{28A0092B-C50C-407E-A947-70E740481C1C}">
                 <a14:useLocalDpi xmlns:a14="http://schemas.microsoft.com/office/drawing/2010/main" val="0"/>
@@ -6223,18 +6157,43 @@
           </a:prstGeom>
         </p:spPr>
       </p:pic>
+      <p:sp>
+        <p:nvSpPr>
+          <p:cNvPr id="2" name="文本框 1"/>
+          <p:cNvSpPr txBox="1"/>
+          <p:nvPr/>
+        </p:nvSpPr>
+        <p:spPr>
+          <a:xfrm>
+            <a:off x="1280160" y="211455"/>
+            <a:ext cx="8031480" cy="829945"/>
+          </a:xfrm>
+          <a:prstGeom prst="rect">
+            <a:avLst/>
+          </a:prstGeom>
+          <a:noFill/>
+        </p:spPr>
+        <p:txBody>
+          <a:bodyPr wrap="square" rtlCol="0">
+            <a:spAutoFit/>
+          </a:bodyPr>
+          <a:p>
+            <a:pPr algn="ctr"/>
+            <a:r>
+              <a:rPr lang="zh-CN" altLang="en-US" sz="4800" b="1"/>
+              <a:t>直奔主题</a:t>
+            </a:r>
+            <a:endParaRPr lang="zh-CN" altLang="en-US" sz="4800" b="1"/>
+          </a:p>
+        </p:txBody>
+      </p:sp>
     </p:spTree>
-    <p:extLst>
-      <p:ext uri="{BB962C8B-B14F-4D97-AF65-F5344CB8AC3E}">
-        <p14:creationId xmlns:p14="http://schemas.microsoft.com/office/powerpoint/2010/main" val="3443912079"/>
-      </p:ext>
-    </p:extLst>
   </p:cSld>
   <p:clrMapOvr>
     <a:masterClrMapping/>
   </p:clrMapOvr>
   <p:transition spd="slow" advTm="14000">
-    <p:cover/>
+    <p:circle/>
   </p:transition>
   <p:timing>
     <p:tnLst>
@@ -6248,9 +6207,6 @@
                     <p:cTn id="3" fill="hold">
                       <p:stCondLst>
                         <p:cond delay="indefinite"/>
-                        <p:cond evt="onBegin" delay="0">
-                          <p:tn val="2"/>
-                        </p:cond>
                       </p:stCondLst>
                       <p:childTnLst>
                         <p:par>
@@ -6260,13 +6216,10 @@
                             </p:stCondLst>
                             <p:childTnLst>
                               <p:par>
-                                <p:cTn id="5" presetID="42" presetClass="entr" presetSubtype="0" fill="hold" grpId="0" nodeType="afterEffect">
+                                <p:cTn id="5" presetID="3" presetClass="entr" presetSubtype="10" fill="hold" nodeType="clickEffect">
                                   <p:stCondLst>
-                                    <p:cond delay="1000"/>
+                                    <p:cond delay="0"/>
                                   </p:stCondLst>
-                                  <p:iterate type="wd">
-                                    <p:tmPct val="15000"/>
-                                  </p:iterate>
                                   <p:childTnLst>
                                     <p:set>
                                       <p:cBhvr>
@@ -6276,7 +6229,7 @@
                                           </p:stCondLst>
                                         </p:cTn>
                                         <p:tgtEl>
-                                          <p:spTgt spid="3">
+                                          <p:spTgt spid="2">
                                             <p:txEl>
                                               <p:pRg st="0" end="0"/>
                                             </p:txEl>
@@ -6290,11 +6243,11 @@
                                         <p:strVal val="visible"/>
                                       </p:to>
                                     </p:set>
-                                    <p:animEffect transition="in" filter="fade">
+                                    <p:animEffect transition="in" filter="blinds(horizontal)">
                                       <p:cBhvr>
-                                        <p:cTn id="7" dur="1000"/>
-                                        <p:tgtEl>
-                                          <p:spTgt spid="3">
+                                        <p:cTn id="7" dur="500"/>
+                                        <p:tgtEl>
+                                          <p:spTgt spid="2">
                                             <p:txEl>
                                               <p:pRg st="0" end="0"/>
                                             </p:txEl>
@@ -6302,81 +6255,100 @@
                                         </p:tgtEl>
                                       </p:cBhvr>
                                     </p:animEffect>
-                                    <p:anim calcmode="lin" valueType="num">
-                                      <p:cBhvr>
-                                        <p:cTn id="8" dur="1000" fill="hold"/>
-                                        <p:tgtEl>
-                                          <p:spTgt spid="3">
-                                            <p:txEl>
-                                              <p:pRg st="0" end="0"/>
-                                            </p:txEl>
-                                          </p:spTgt>
-                                        </p:tgtEl>
-                                        <p:attrNameLst>
-                                          <p:attrName>ppt_x</p:attrName>
-                                        </p:attrNameLst>
-                                      </p:cBhvr>
-                                      <p:tavLst>
-                                        <p:tav tm="0">
-                                          <p:val>
-                                            <p:strVal val="#ppt_x"/>
-                                          </p:val>
-                                        </p:tav>
-                                        <p:tav tm="100000">
-                                          <p:val>
-                                            <p:strVal val="#ppt_x"/>
-                                          </p:val>
-                                        </p:tav>
-                                      </p:tavLst>
-                                    </p:anim>
-                                    <p:anim calcmode="lin" valueType="num">
-                                      <p:cBhvr>
-                                        <p:cTn id="9" dur="1000" fill="hold"/>
-                                        <p:tgtEl>
-                                          <p:spTgt spid="3">
-                                            <p:txEl>
-                                              <p:pRg st="0" end="0"/>
-                                            </p:txEl>
-                                          </p:spTgt>
-                                        </p:tgtEl>
-                                        <p:attrNameLst>
-                                          <p:attrName>ppt_y</p:attrName>
-                                        </p:attrNameLst>
-                                      </p:cBhvr>
-                                      <p:tavLst>
-                                        <p:tav tm="0">
-                                          <p:val>
-                                            <p:strVal val="#ppt_y+.1"/>
-                                          </p:val>
-                                        </p:tav>
-                                        <p:tav tm="100000">
-                                          <p:val>
-                                            <p:strVal val="#ppt_y"/>
-                                          </p:val>
-                                        </p:tav>
-                                      </p:tavLst>
-                                    </p:anim>
                                   </p:childTnLst>
                                 </p:cTn>
                               </p:par>
                             </p:childTnLst>
                           </p:cTn>
                         </p:par>
+                      </p:childTnLst>
+                    </p:cTn>
+                  </p:par>
+                  <p:par>
+                    <p:cTn id="8" fill="hold">
+                      <p:stCondLst>
+                        <p:cond delay="indefinite"/>
+                      </p:stCondLst>
+                      <p:childTnLst>
                         <p:par>
-                          <p:cTn id="10" fill="hold">
+                          <p:cTn id="9" fill="hold">
                             <p:stCondLst>
-                              <p:cond delay="9050"/>
+                              <p:cond delay="0"/>
                             </p:stCondLst>
                             <p:childTnLst>
                               <p:par>
-                                <p:cTn id="11" presetID="14" presetClass="entr" presetSubtype="10" fill="hold" nodeType="afterEffect">
+                                <p:cTn id="10" presetID="8" presetClass="entr" presetSubtype="16" fill="hold" nodeType="clickEffect">
                                   <p:stCondLst>
-                                    <p:cond delay="1500"/>
+                                    <p:cond delay="0"/>
+                                  </p:stCondLst>
+                                  <p:iterate type="wd">
+                                    <p:tmPct val="0"/>
+                                  </p:iterate>
+                                  <p:childTnLst>
+                                    <p:set>
+                                      <p:cBhvr>
+                                        <p:cTn id="11" dur="1" fill="hold">
+                                          <p:stCondLst>
+                                            <p:cond delay="0"/>
+                                          </p:stCondLst>
+                                        </p:cTn>
+                                        <p:tgtEl>
+                                          <p:spTgt spid="3">
+                                            <p:txEl>
+                                              <p:pRg st="0" end="0"/>
+                                            </p:txEl>
+                                          </p:spTgt>
+                                        </p:tgtEl>
+                                        <p:attrNameLst>
+                                          <p:attrName>style.visibility</p:attrName>
+                                        </p:attrNameLst>
+                                      </p:cBhvr>
+                                      <p:to>
+                                        <p:strVal val="visible"/>
+                                      </p:to>
+                                    </p:set>
+                                    <p:animEffect transition="in" filter="diamond(in)">
+                                      <p:cBhvr>
+                                        <p:cTn id="12" dur="1000"/>
+                                        <p:tgtEl>
+                                          <p:spTgt spid="3">
+                                            <p:txEl>
+                                              <p:pRg st="0" end="0"/>
+                                            </p:txEl>
+                                          </p:spTgt>
+                                        </p:tgtEl>
+                                      </p:cBhvr>
+                                    </p:animEffect>
+                                  </p:childTnLst>
+                                </p:cTn>
+                              </p:par>
+                            </p:childTnLst>
+                          </p:cTn>
+                        </p:par>
+                      </p:childTnLst>
+                    </p:cTn>
+                  </p:par>
+                  <p:par>
+                    <p:cTn id="13" fill="hold">
+                      <p:stCondLst>
+                        <p:cond delay="indefinite"/>
+                      </p:stCondLst>
+                      <p:childTnLst>
+                        <p:par>
+                          <p:cTn id="14" fill="hold">
+                            <p:stCondLst>
+                              <p:cond delay="0"/>
+                            </p:stCondLst>
+                            <p:childTnLst>
+                              <p:par>
+                                <p:cTn id="15" presetID="2" presetClass="entr" presetSubtype="4" fill="hold" nodeType="clickEffect">
+                                  <p:stCondLst>
+                                    <p:cond delay="0"/>
                                   </p:stCondLst>
                                   <p:childTnLst>
                                     <p:set>
                                       <p:cBhvr>
-                                        <p:cTn id="12" dur="1" fill="hold">
+                                        <p:cTn id="16" dur="1" fill="hold">
                                           <p:stCondLst>
                                             <p:cond delay="0"/>
                                           </p:stCondLst>
@@ -6392,14 +6364,52 @@
                                         <p:strVal val="visible"/>
                                       </p:to>
                                     </p:set>
-                                    <p:animEffect transition="in" filter="randombar(horizontal)">
-                                      <p:cBhvr>
-                                        <p:cTn id="13" dur="1000"/>
+                                    <p:anim calcmode="lin" valueType="num">
+                                      <p:cBhvr additive="base">
+                                        <p:cTn id="17" dur="500" fill="hold"/>
                                         <p:tgtEl>
                                           <p:spTgt spid="9"/>
                                         </p:tgtEl>
-                                      </p:cBhvr>
-                                    </p:animEffect>
+                                        <p:attrNameLst>
+                                          <p:attrName>ppt_x</p:attrName>
+                                        </p:attrNameLst>
+                                      </p:cBhvr>
+                                      <p:tavLst>
+                                        <p:tav tm="0">
+                                          <p:val>
+                                            <p:strVal val="#ppt_x"/>
+                                          </p:val>
+                                        </p:tav>
+                                        <p:tav tm="100000">
+                                          <p:val>
+                                            <p:strVal val="#ppt_x"/>
+                                          </p:val>
+                                        </p:tav>
+                                      </p:tavLst>
+                                    </p:anim>
+                                    <p:anim calcmode="lin" valueType="num">
+                                      <p:cBhvr additive="base">
+                                        <p:cTn id="18" dur="500" fill="hold"/>
+                                        <p:tgtEl>
+                                          <p:spTgt spid="9"/>
+                                        </p:tgtEl>
+                                        <p:attrNameLst>
+                                          <p:attrName>ppt_y</p:attrName>
+                                        </p:attrNameLst>
+                                      </p:cBhvr>
+                                      <p:tavLst>
+                                        <p:tav tm="0">
+                                          <p:val>
+                                            <p:strVal val="1+#ppt_h/2"/>
+                                          </p:val>
+                                        </p:tav>
+                                        <p:tav tm="100000">
+                                          <p:val>
+                                            <p:strVal val="#ppt_y"/>
+                                          </p:val>
+                                        </p:tav>
+                                      </p:tavLst>
+                                    </p:anim>
                                   </p:childTnLst>
                                 </p:cTn>
                               </p:par>
@@ -6430,9 +6440,6 @@
         </p:cTn>
       </p:par>
     </p:tnLst>
-    <p:bldLst>
-      <p:bldP spid="3" grpId="0" build="p"/>
-    </p:bldLst>
   </p:timing>
 </p:sld>
 </file>
@@ -6456,13 +6463,7 @@
       </p:grpSpPr>
       <p:pic>
         <p:nvPicPr>
-          <p:cNvPr id="5" name="内容占位符 4">
-            <a:extLst>
-              <a:ext uri="{FF2B5EF4-FFF2-40B4-BE49-F238E27FC236}">
-                <a16:creationId xmlns:a16="http://schemas.microsoft.com/office/drawing/2014/main" id="{CA43C6C9-E1AB-4AF1-96A1-B438F6726203}"/>
-              </a:ext>
-            </a:extLst>
-          </p:cNvPr>
+          <p:cNvPr id="5" name="内容占位符 4"/>
           <p:cNvPicPr>
             <a:picLocks noGrp="1" noChangeAspect="1"/>
           </p:cNvPicPr>
@@ -6471,7 +6472,7 @@
           </p:nvPr>
         </p:nvPicPr>
         <p:blipFill>
-          <a:blip r:embed="rId2">
+          <a:blip r:embed="rId1">
             <a:extLst>
               <a:ext uri="{28A0092B-C50C-407E-A947-70E740481C1C}">
                 <a14:useLocalDpi xmlns:a14="http://schemas.microsoft.com/office/drawing/2010/main" val="0"/>
@@ -6491,13 +6492,7 @@
       </p:pic>
       <p:sp>
         <p:nvSpPr>
-          <p:cNvPr id="6" name="文本框 5">
-            <a:extLst>
-              <a:ext uri="{FF2B5EF4-FFF2-40B4-BE49-F238E27FC236}">
-                <a16:creationId xmlns:a16="http://schemas.microsoft.com/office/drawing/2014/main" id="{17F23948-9B11-4F4C-B174-AB7474BBF0B2}"/>
-              </a:ext>
-            </a:extLst>
-          </p:cNvPr>
+          <p:cNvPr id="6" name="文本框 5"/>
           <p:cNvSpPr txBox="1"/>
           <p:nvPr/>
         </p:nvSpPr>
@@ -6521,21 +6516,46 @@
               <a:rPr lang="zh-CN" altLang="en-US" dirty="0"/>
               <a:t>这里汇集了一些前端的内容，可以让我们先了解一下前端</a:t>
             </a:r>
+            <a:endParaRPr lang="zh-CN" altLang="en-US" dirty="0"/>
+          </a:p>
+        </p:txBody>
+      </p:sp>
+      <p:sp>
+        <p:nvSpPr>
+          <p:cNvPr id="2" name="文本框 1"/>
+          <p:cNvSpPr txBox="1"/>
+          <p:nvPr/>
+        </p:nvSpPr>
+        <p:spPr>
+          <a:xfrm>
+            <a:off x="8717280" y="4493895"/>
+            <a:ext cx="2788920" cy="645160"/>
+          </a:xfrm>
+          <a:prstGeom prst="rect">
+            <a:avLst/>
+          </a:prstGeom>
+          <a:noFill/>
+        </p:spPr>
+        <p:txBody>
+          <a:bodyPr wrap="square" rtlCol="0">
+            <a:spAutoFit/>
+          </a:bodyPr>
+          <a:p>
+            <a:r>
+              <a:rPr lang="zh-CN" altLang="en-US"/>
+              <a:t>可以更好地让我们了解这些前端的知识</a:t>
+            </a:r>
+            <a:endParaRPr lang="zh-CN" altLang="en-US"/>
           </a:p>
         </p:txBody>
       </p:sp>
     </p:spTree>
-    <p:extLst>
-      <p:ext uri="{BB962C8B-B14F-4D97-AF65-F5344CB8AC3E}">
-        <p14:creationId xmlns:p14="http://schemas.microsoft.com/office/powerpoint/2010/main" val="636274327"/>
-      </p:ext>
-    </p:extLst>
   </p:cSld>
   <p:clrMapOvr>
     <a:masterClrMapping/>
   </p:clrMapOvr>
   <p:transition spd="slow" advTm="7000">
-    <p:randomBar dir="vert"/>
+    <p:circle/>
   </p:transition>
   <p:timing>
     <p:tnLst>
@@ -6549,9 +6569,6 @@
                     <p:cTn id="3" fill="hold">
                       <p:stCondLst>
                         <p:cond delay="indefinite"/>
-                        <p:cond evt="onBegin" delay="0">
-                          <p:tn val="2"/>
-                        </p:cond>
                       </p:stCondLst>
                       <p:childTnLst>
                         <p:par>
@@ -6561,13 +6578,10 @@
                             </p:stCondLst>
                             <p:childTnLst>
                               <p:par>
-                                <p:cTn id="5" presetID="14" presetClass="entr" presetSubtype="10" fill="hold" grpId="0" nodeType="withEffect">
+                                <p:cTn id="5" presetID="2" presetClass="entr" presetSubtype="4" fill="hold" grpId="0" nodeType="clickEffect">
                                   <p:stCondLst>
                                     <p:cond delay="0"/>
                                   </p:stCondLst>
-                                  <p:iterate type="wd">
-                                    <p:tmPct val="10000"/>
-                                  </p:iterate>
                                   <p:childTnLst>
                                     <p:set>
                                       <p:cBhvr>
@@ -6587,35 +6601,82 @@
                                         <p:strVal val="visible"/>
                                       </p:to>
                                     </p:set>
-                                    <p:animEffect transition="in" filter="randombar(horizontal)">
-                                      <p:cBhvr>
-                                        <p:cTn id="7" dur="1000"/>
+                                    <p:anim calcmode="lin" valueType="num">
+                                      <p:cBhvr additive="base">
+                                        <p:cTn id="7" dur="500" fill="hold"/>
                                         <p:tgtEl>
                                           <p:spTgt spid="6"/>
                                         </p:tgtEl>
-                                      </p:cBhvr>
-                                    </p:animEffect>
+                                        <p:attrNameLst>
+                                          <p:attrName>ppt_x</p:attrName>
+                                        </p:attrNameLst>
+                                      </p:cBhvr>
+                                      <p:tavLst>
+                                        <p:tav tm="0">
+                                          <p:val>
+                                            <p:strVal val="#ppt_x"/>
+                                          </p:val>
+                                        </p:tav>
+                                        <p:tav tm="100000">
+                                          <p:val>
+                                            <p:strVal val="#ppt_x"/>
+                                          </p:val>
+                                        </p:tav>
+                                      </p:tavLst>
+                                    </p:anim>
+                                    <p:anim calcmode="lin" valueType="num">
+                                      <p:cBhvr additive="base">
+                                        <p:cTn id="8" dur="500" fill="hold"/>
+                                        <p:tgtEl>
+                                          <p:spTgt spid="6"/>
+                                        </p:tgtEl>
+                                        <p:attrNameLst>
+                                          <p:attrName>ppt_y</p:attrName>
+                                        </p:attrNameLst>
+                                      </p:cBhvr>
+                                      <p:tavLst>
+                                        <p:tav tm="0">
+                                          <p:val>
+                                            <p:strVal val="1+#ppt_h/2"/>
+                                          </p:val>
+                                        </p:tav>
+                                        <p:tav tm="100000">
+                                          <p:val>
+                                            <p:strVal val="#ppt_y"/>
+                                          </p:val>
+                                        </p:tav>
+                                      </p:tavLst>
+                                    </p:anim>
                                   </p:childTnLst>
                                 </p:cTn>
                               </p:par>
                             </p:childTnLst>
                           </p:cTn>
                         </p:par>
+                      </p:childTnLst>
+                    </p:cTn>
+                  </p:par>
+                  <p:par>
+                    <p:cTn id="9" fill="hold">
+                      <p:stCondLst>
+                        <p:cond delay="indefinite"/>
+                      </p:stCondLst>
+                      <p:childTnLst>
                         <p:par>
-                          <p:cTn id="8" fill="hold">
+                          <p:cTn id="10" fill="hold">
                             <p:stCondLst>
-                              <p:cond delay="2400"/>
+                              <p:cond delay="0"/>
                             </p:stCondLst>
                             <p:childTnLst>
                               <p:par>
-                                <p:cTn id="9" presetID="6" presetClass="entr" presetSubtype="16" fill="hold" nodeType="afterEffect">
+                                <p:cTn id="11" presetID="2" presetClass="entr" presetSubtype="4" fill="hold" nodeType="clickEffect">
                                   <p:stCondLst>
                                     <p:cond delay="500"/>
                                   </p:stCondLst>
                                   <p:childTnLst>
                                     <p:set>
                                       <p:cBhvr>
-                                        <p:cTn id="10" dur="1" fill="hold">
+                                        <p:cTn id="12" dur="1" fill="hold">
                                           <p:stCondLst>
                                             <p:cond delay="0"/>
                                           </p:stCondLst>
@@ -6631,11 +6692,110 @@
                                         <p:strVal val="visible"/>
                                       </p:to>
                                     </p:set>
-                                    <p:animEffect transition="in" filter="circle(in)">
+                                    <p:anim calcmode="lin" valueType="num">
+                                      <p:cBhvr additive="base">
+                                        <p:cTn id="13" dur="500" fill="hold"/>
+                                        <p:tgtEl>
+                                          <p:spTgt spid="5"/>
+                                        </p:tgtEl>
+                                        <p:attrNameLst>
+                                          <p:attrName>ppt_x</p:attrName>
+                                        </p:attrNameLst>
+                                      </p:cBhvr>
+                                      <p:tavLst>
+                                        <p:tav tm="0">
+                                          <p:val>
+                                            <p:strVal val="#ppt_x"/>
+                                          </p:val>
+                                        </p:tav>
+                                        <p:tav tm="100000">
+                                          <p:val>
+                                            <p:strVal val="#ppt_x"/>
+                                          </p:val>
+                                        </p:tav>
+                                      </p:tavLst>
+                                    </p:anim>
+                                    <p:anim calcmode="lin" valueType="num">
+                                      <p:cBhvr additive="base">
+                                        <p:cTn id="14" dur="500" fill="hold"/>
+                                        <p:tgtEl>
+                                          <p:spTgt spid="5"/>
+                                        </p:tgtEl>
+                                        <p:attrNameLst>
+                                          <p:attrName>ppt_y</p:attrName>
+                                        </p:attrNameLst>
+                                      </p:cBhvr>
+                                      <p:tavLst>
+                                        <p:tav tm="0">
+                                          <p:val>
+                                            <p:strVal val="1+#ppt_h/2"/>
+                                          </p:val>
+                                        </p:tav>
+                                        <p:tav tm="100000">
+                                          <p:val>
+                                            <p:strVal val="#ppt_y"/>
+                                          </p:val>
+                                        </p:tav>
+                                      </p:tavLst>
+                                    </p:anim>
+                                  </p:childTnLst>
+                                </p:cTn>
+                              </p:par>
+                            </p:childTnLst>
+                          </p:cTn>
+                        </p:par>
+                      </p:childTnLst>
+                    </p:cTn>
+                  </p:par>
+                  <p:par>
+                    <p:cTn id="15" fill="hold">
+                      <p:stCondLst>
+                        <p:cond delay="indefinite"/>
+                      </p:stCondLst>
+                      <p:childTnLst>
+                        <p:par>
+                          <p:cTn id="16" fill="hold">
+                            <p:stCondLst>
+                              <p:cond delay="0"/>
+                            </p:stCondLst>
+                            <p:childTnLst>
+                              <p:par>
+                                <p:cTn id="17" presetID="8" presetClass="entr" presetSubtype="16" fill="hold" nodeType="clickEffect">
+                                  <p:stCondLst>
+                                    <p:cond delay="0"/>
+                                  </p:stCondLst>
+                                  <p:childTnLst>
+                                    <p:set>
                                       <p:cBhvr>
-                                        <p:cTn id="11" dur="2000"/>
-                                        <p:tgtEl>
-                                          <p:spTgt spid="5"/>
+                                        <p:cTn id="18" dur="1" fill="hold">
+                                          <p:stCondLst>
+                                            <p:cond delay="0"/>
+                                          </p:stCondLst>
+                                        </p:cTn>
+                                        <p:tgtEl>
+                                          <p:spTgt spid="2">
+                                            <p:txEl>
+                                              <p:pRg st="0" end="0"/>
+                                            </p:txEl>
+                                          </p:spTgt>
+                                        </p:tgtEl>
+                                        <p:attrNameLst>
+                                          <p:attrName>style.visibility</p:attrName>
+                                        </p:attrNameLst>
+                                      </p:cBhvr>
+                                      <p:to>
+                                        <p:strVal val="visible"/>
+                                      </p:to>
+                                    </p:set>
+                                    <p:animEffect transition="in" filter="diamond(in)">
+                                      <p:cBhvr>
+                                        <p:cTn id="19" dur="500"/>
+                                        <p:tgtEl>
+                                          <p:spTgt spid="2">
+                                            <p:txEl>
+                                              <p:pRg st="0" end="0"/>
+                                            </p:txEl>
+                                          </p:spTgt>
                                         </p:tgtEl>
                                       </p:cBhvr>
                                     </p:animEffect>
@@ -6695,13 +6855,7 @@
       </p:grpSpPr>
       <p:pic>
         <p:nvPicPr>
-          <p:cNvPr id="5" name="内容占位符 4">
-            <a:extLst>
-              <a:ext uri="{FF2B5EF4-FFF2-40B4-BE49-F238E27FC236}">
-                <a16:creationId xmlns:a16="http://schemas.microsoft.com/office/drawing/2014/main" id="{7691C1C9-FB2D-4D9D-A5D8-F29396643908}"/>
-              </a:ext>
-            </a:extLst>
-          </p:cNvPr>
+          <p:cNvPr id="5" name="内容占位符 4"/>
           <p:cNvPicPr>
             <a:picLocks noGrp="1" noChangeAspect="1"/>
           </p:cNvPicPr>
@@ -6710,7 +6864,7 @@
           </p:nvPr>
         </p:nvPicPr>
         <p:blipFill>
-          <a:blip r:embed="rId2">
+          <a:blip r:embed="rId1">
             <a:extLst>
               <a:ext uri="{28A0092B-C50C-407E-A947-70E740481C1C}">
                 <a14:useLocalDpi xmlns:a14="http://schemas.microsoft.com/office/drawing/2010/main" val="0"/>
@@ -6730,13 +6884,7 @@
       </p:pic>
       <p:sp>
         <p:nvSpPr>
-          <p:cNvPr id="6" name="文本框 5">
-            <a:extLst>
-              <a:ext uri="{FF2B5EF4-FFF2-40B4-BE49-F238E27FC236}">
-                <a16:creationId xmlns:a16="http://schemas.microsoft.com/office/drawing/2014/main" id="{09545E7C-BA0B-4E35-92D5-FAF50D04C47D}"/>
-              </a:ext>
-            </a:extLst>
-          </p:cNvPr>
+          <p:cNvPr id="6" name="文本框 5"/>
           <p:cNvSpPr txBox="1"/>
           <p:nvPr/>
         </p:nvSpPr>
@@ -6760,25 +6908,20 @@
               <a:rPr lang="zh-CN" altLang="en-US" dirty="0"/>
               <a:t>这是关于我们教师团队的介绍，在这里可以先了解一下我们的教学模式与乐学堂的创始人</a:t>
             </a:r>
+            <a:endParaRPr lang="zh-CN" altLang="en-US" dirty="0"/>
           </a:p>
         </p:txBody>
       </p:sp>
       <p:pic>
         <p:nvPicPr>
-          <p:cNvPr id="8" name="图片 7">
-            <a:extLst>
-              <a:ext uri="{FF2B5EF4-FFF2-40B4-BE49-F238E27FC236}">
-                <a16:creationId xmlns:a16="http://schemas.microsoft.com/office/drawing/2014/main" id="{4BBAF002-1C96-4347-90EC-7B5DB8DFD350}"/>
-              </a:ext>
-            </a:extLst>
-          </p:cNvPr>
+          <p:cNvPr id="8" name="图片 7"/>
           <p:cNvPicPr>
             <a:picLocks noChangeAspect="1"/>
           </p:cNvPicPr>
           <p:nvPr/>
         </p:nvPicPr>
         <p:blipFill>
-          <a:blip r:embed="rId3">
+          <a:blip r:embed="rId2">
             <a:extLst>
               <a:ext uri="{28A0092B-C50C-407E-A947-70E740481C1C}">
                 <a14:useLocalDpi xmlns:a14="http://schemas.microsoft.com/office/drawing/2010/main" val="0"/>
@@ -6801,13 +6944,7 @@
       </p:pic>
       <p:sp>
         <p:nvSpPr>
-          <p:cNvPr id="9" name="文本框 8">
-            <a:extLst>
-              <a:ext uri="{FF2B5EF4-FFF2-40B4-BE49-F238E27FC236}">
-                <a16:creationId xmlns:a16="http://schemas.microsoft.com/office/drawing/2014/main" id="{24573E9B-BDF4-4B87-A857-DCF1C3968270}"/>
-              </a:ext>
-            </a:extLst>
-          </p:cNvPr>
+          <p:cNvPr id="9" name="文本框 8"/>
           <p:cNvSpPr txBox="1"/>
           <p:nvPr/>
         </p:nvSpPr>
@@ -6831,15 +6968,11 @@
               <a:rPr lang="zh-CN" altLang="en-US" dirty="0"/>
               <a:t>在这里设置了几个超链接，可以在这里看到一些关于计算机的信息和就业信息</a:t>
             </a:r>
+            <a:endParaRPr lang="zh-CN" altLang="en-US" dirty="0"/>
           </a:p>
         </p:txBody>
       </p:sp>
     </p:spTree>
-    <p:extLst>
-      <p:ext uri="{BB962C8B-B14F-4D97-AF65-F5344CB8AC3E}">
-        <p14:creationId xmlns:p14="http://schemas.microsoft.com/office/powerpoint/2010/main" val="3819381117"/>
-      </p:ext>
-    </p:extLst>
   </p:cSld>
   <p:clrMapOvr>
     <a:masterClrMapping/>
@@ -6847,12 +6980,12 @@
   <mc:AlternateContent xmlns:mc="http://schemas.openxmlformats.org/markup-compatibility/2006">
     <mc:Choice xmlns:p14="http://schemas.microsoft.com/office/powerpoint/2010/main" Requires="p14">
       <p:transition p14:dur="100" advTm="14500">
-        <p:cut/>
+        <p:circle/>
       </p:transition>
     </mc:Choice>
     <mc:Fallback>
       <p:transition advTm="14500">
-        <p:cut/>
+        <p:circle/>
       </p:transition>
     </mc:Fallback>
   </mc:AlternateContent>
@@ -6868,9 +7001,6 @@
                     <p:cTn id="3" fill="hold">
                       <p:stCondLst>
                         <p:cond delay="indefinite"/>
-                        <p:cond evt="onBegin" delay="0">
-                          <p:tn val="2"/>
-                        </p:cond>
                       </p:stCondLst>
                       <p:childTnLst>
                         <p:par>
@@ -6880,12 +7010,12 @@
                             </p:stCondLst>
                             <p:childTnLst>
                               <p:par>
-                                <p:cTn id="5" presetID="10" presetClass="entr" presetSubtype="0" fill="hold" grpId="0" nodeType="afterEffect">
+                                <p:cTn id="5" presetID="2" presetClass="entr" presetSubtype="4" fill="hold" grpId="0" nodeType="clickEffect">
                                   <p:stCondLst>
                                     <p:cond delay="0"/>
                                   </p:stCondLst>
                                   <p:iterate type="wd">
-                                    <p:tmPct val="10000"/>
+                                    <p:tmPct val="0"/>
                                   </p:iterate>
                                   <p:childTnLst>
                                     <p:set>
@@ -6906,35 +7036,82 @@
                                         <p:strVal val="visible"/>
                                       </p:to>
                                     </p:set>
-                                    <p:animEffect transition="in" filter="fade">
-                                      <p:cBhvr>
-                                        <p:cTn id="7" dur="1000"/>
+                                    <p:anim calcmode="lin" valueType="num">
+                                      <p:cBhvr additive="base">
+                                        <p:cTn id="7" dur="500" fill="hold"/>
                                         <p:tgtEl>
                                           <p:spTgt spid="6"/>
                                         </p:tgtEl>
-                                      </p:cBhvr>
-                                    </p:animEffect>
+                                        <p:attrNameLst>
+                                          <p:attrName>ppt_x</p:attrName>
+                                        </p:attrNameLst>
+                                      </p:cBhvr>
+                                      <p:tavLst>
+                                        <p:tav tm="0">
+                                          <p:val>
+                                            <p:strVal val="#ppt_x"/>
+                                          </p:val>
+                                        </p:tav>
+                                        <p:tav tm="100000">
+                                          <p:val>
+                                            <p:strVal val="#ppt_x"/>
+                                          </p:val>
+                                        </p:tav>
+                                      </p:tavLst>
+                                    </p:anim>
+                                    <p:anim calcmode="lin" valueType="num">
+                                      <p:cBhvr additive="base">
+                                        <p:cTn id="8" dur="500" fill="hold"/>
+                                        <p:tgtEl>
+                                          <p:spTgt spid="6"/>
+                                        </p:tgtEl>
+                                        <p:attrNameLst>
+                                          <p:attrName>ppt_y</p:attrName>
+                                        </p:attrNameLst>
+                                      </p:cBhvr>
+                                      <p:tavLst>
+                                        <p:tav tm="0">
+                                          <p:val>
+                                            <p:strVal val="1+#ppt_h/2"/>
+                                          </p:val>
+                                        </p:tav>
+                                        <p:tav tm="100000">
+                                          <p:val>
+                                            <p:strVal val="#ppt_y"/>
+                                          </p:val>
+                                        </p:tav>
+                                      </p:tavLst>
+                                    </p:anim>
                                   </p:childTnLst>
                                 </p:cTn>
                               </p:par>
                             </p:childTnLst>
                           </p:cTn>
                         </p:par>
+                      </p:childTnLst>
+                    </p:cTn>
+                  </p:par>
+                  <p:par>
+                    <p:cTn id="9" fill="hold">
+                      <p:stCondLst>
+                        <p:cond delay="indefinite"/>
+                      </p:stCondLst>
+                      <p:childTnLst>
                         <p:par>
-                          <p:cTn id="8" fill="hold">
+                          <p:cTn id="10" fill="hold">
                             <p:stCondLst>
-                              <p:cond delay="3200"/>
+                              <p:cond delay="0"/>
                             </p:stCondLst>
                             <p:childTnLst>
                               <p:par>
-                                <p:cTn id="9" presetID="14" presetClass="entr" presetSubtype="10" fill="hold" nodeType="afterEffect">
+                                <p:cTn id="11" presetID="2" presetClass="entr" presetSubtype="4" fill="hold" nodeType="clickEffect">
                                   <p:stCondLst>
                                     <p:cond delay="500"/>
                                   </p:stCondLst>
                                   <p:childTnLst>
                                     <p:set>
                                       <p:cBhvr>
-                                        <p:cTn id="10" dur="1" fill="hold">
+                                        <p:cTn id="12" dur="1" fill="hold">
                                           <p:stCondLst>
                                             <p:cond delay="0"/>
                                           </p:stCondLst>
@@ -6950,28 +7127,75 @@
                                         <p:strVal val="visible"/>
                                       </p:to>
                                     </p:set>
-                                    <p:animEffect transition="in" filter="randombar(horizontal)">
-                                      <p:cBhvr>
-                                        <p:cTn id="11" dur="1000"/>
+                                    <p:anim calcmode="lin" valueType="num">
+                                      <p:cBhvr additive="base">
+                                        <p:cTn id="13" dur="500" fill="hold"/>
                                         <p:tgtEl>
                                           <p:spTgt spid="5"/>
                                         </p:tgtEl>
-                                      </p:cBhvr>
-                                    </p:animEffect>
+                                        <p:attrNameLst>
+                                          <p:attrName>ppt_x</p:attrName>
+                                        </p:attrNameLst>
+                                      </p:cBhvr>
+                                      <p:tavLst>
+                                        <p:tav tm="0">
+                                          <p:val>
+                                            <p:strVal val="#ppt_x"/>
+                                          </p:val>
+                                        </p:tav>
+                                        <p:tav tm="100000">
+                                          <p:val>
+                                            <p:strVal val="#ppt_x"/>
+                                          </p:val>
+                                        </p:tav>
+                                      </p:tavLst>
+                                    </p:anim>
+                                    <p:anim calcmode="lin" valueType="num">
+                                      <p:cBhvr additive="base">
+                                        <p:cTn id="14" dur="500" fill="hold"/>
+                                        <p:tgtEl>
+                                          <p:spTgt spid="5"/>
+                                        </p:tgtEl>
+                                        <p:attrNameLst>
+                                          <p:attrName>ppt_y</p:attrName>
+                                        </p:attrNameLst>
+                                      </p:cBhvr>
+                                      <p:tavLst>
+                                        <p:tav tm="0">
+                                          <p:val>
+                                            <p:strVal val="1+#ppt_h/2"/>
+                                          </p:val>
+                                        </p:tav>
+                                        <p:tav tm="100000">
+                                          <p:val>
+                                            <p:strVal val="#ppt_y"/>
+                                          </p:val>
+                                        </p:tav>
+                                      </p:tavLst>
+                                    </p:anim>
                                   </p:childTnLst>
                                 </p:cTn>
                               </p:par>
                             </p:childTnLst>
                           </p:cTn>
                         </p:par>
+                      </p:childTnLst>
+                    </p:cTn>
+                  </p:par>
+                  <p:par>
+                    <p:cTn id="15" fill="hold">
+                      <p:stCondLst>
+                        <p:cond delay="indefinite"/>
+                      </p:stCondLst>
+                      <p:childTnLst>
                         <p:par>
-                          <p:cTn id="12" fill="hold">
+                          <p:cTn id="16" fill="hold">
                             <p:stCondLst>
-                              <p:cond delay="4700"/>
+                              <p:cond delay="0"/>
                             </p:stCondLst>
                             <p:childTnLst>
                               <p:par>
-                                <p:cTn id="13" presetID="10" presetClass="exit" presetSubtype="0" fill="hold" grpId="1" nodeType="afterEffect">
+                                <p:cTn id="17" presetID="4" presetClass="exit" presetSubtype="32" fill="hold" grpId="1" nodeType="clickEffect">
                                   <p:stCondLst>
                                     <p:cond delay="2000"/>
                                   </p:stCondLst>
@@ -6979,9 +7203,9 @@
                                     <p:tmPct val="0"/>
                                   </p:iterate>
                                   <p:childTnLst>
-                                    <p:animEffect transition="out" filter="fade">
+                                    <p:animEffect transition="out" filter="box(out)">
                                       <p:cBhvr>
-                                        <p:cTn id="14" dur="500"/>
+                                        <p:cTn id="18" dur="2000"/>
                                         <p:tgtEl>
                                           <p:spTgt spid="6"/>
                                         </p:tgtEl>
@@ -6989,9 +7213,9 @@
                                     </p:animEffect>
                                     <p:set>
                                       <p:cBhvr>
-                                        <p:cTn id="15" dur="1" fill="hold">
+                                        <p:cTn id="19" dur="1" fill="hold">
                                           <p:stCondLst>
-                                            <p:cond delay="499"/>
+                                            <p:cond delay="1999"/>
                                           </p:stCondLst>
                                         </p:cTn>
                                         <p:tgtEl>
@@ -7011,29 +7235,76 @@
                             </p:childTnLst>
                           </p:cTn>
                         </p:par>
+                      </p:childTnLst>
+                    </p:cTn>
+                  </p:par>
+                  <p:par>
+                    <p:cTn id="20" fill="hold">
+                      <p:stCondLst>
+                        <p:cond delay="indefinite"/>
+                      </p:stCondLst>
+                      <p:childTnLst>
                         <p:par>
-                          <p:cTn id="16" fill="hold">
+                          <p:cTn id="21" fill="hold">
                             <p:stCondLst>
-                              <p:cond delay="7200"/>
+                              <p:cond delay="0"/>
                             </p:stCondLst>
                             <p:childTnLst>
                               <p:par>
-                                <p:cTn id="17" presetID="14" presetClass="exit" presetSubtype="10" fill="hold" nodeType="afterEffect">
+                                <p:cTn id="22" presetID="2" presetClass="exit" presetSubtype="4" fill="hold" nodeType="clickEffect">
                                   <p:stCondLst>
                                     <p:cond delay="0"/>
                                   </p:stCondLst>
                                   <p:childTnLst>
-                                    <p:animEffect transition="out" filter="randombar(horizontal)">
-                                      <p:cBhvr>
-                                        <p:cTn id="18" dur="500"/>
+                                    <p:anim calcmode="lin" valueType="num">
+                                      <p:cBhvr additive="base">
+                                        <p:cTn id="23" dur="500"/>
                                         <p:tgtEl>
                                           <p:spTgt spid="5"/>
                                         </p:tgtEl>
-                                      </p:cBhvr>
-                                    </p:animEffect>
+                                        <p:attrNameLst>
+                                          <p:attrName>ppt_x</p:attrName>
+                                        </p:attrNameLst>
+                                      </p:cBhvr>
+                                      <p:tavLst>
+                                        <p:tav tm="0">
+                                          <p:val>
+                                            <p:strVal val="ppt_x"/>
+                                          </p:val>
+                                        </p:tav>
+                                        <p:tav tm="100000">
+                                          <p:val>
+                                            <p:strVal val="ppt_x"/>
+                                          </p:val>
+                                        </p:tav>
+                                      </p:tavLst>
+                                    </p:anim>
+                                    <p:anim calcmode="lin" valueType="num">
+                                      <p:cBhvr additive="base">
+                                        <p:cTn id="24" dur="500"/>
+                                        <p:tgtEl>
+                                          <p:spTgt spid="5"/>
+                                        </p:tgtEl>
+                                        <p:attrNameLst>
+                                          <p:attrName>ppt_y</p:attrName>
+                                        </p:attrNameLst>
+                                      </p:cBhvr>
+                                      <p:tavLst>
+                                        <p:tav tm="0">
+                                          <p:val>
+                                            <p:strVal val="ppt_y"/>
+                                          </p:val>
+                                        </p:tav>
+                                        <p:tav tm="100000">
+                                          <p:val>
+                                            <p:strVal val="1+ppt_h/2"/>
+                                          </p:val>
+                                        </p:tav>
+                                      </p:tavLst>
+                                    </p:anim>
                                     <p:set>
                                       <p:cBhvr>
-                                        <p:cTn id="19" dur="1" fill="hold">
+                                        <p:cTn id="25" dur="1" fill="hold">
                                           <p:stCondLst>
                                             <p:cond delay="499"/>
                                           </p:stCondLst>
@@ -7055,24 +7326,30 @@
                             </p:childTnLst>
                           </p:cTn>
                         </p:par>
+                      </p:childTnLst>
+                    </p:cTn>
+                  </p:par>
+                  <p:par>
+                    <p:cTn id="26" fill="hold">
+                      <p:stCondLst>
+                        <p:cond delay="indefinite"/>
+                      </p:stCondLst>
+                      <p:childTnLst>
                         <p:par>
-                          <p:cTn id="20" fill="hold">
+                          <p:cTn id="27" fill="hold">
                             <p:stCondLst>
-                              <p:cond delay="7700"/>
+                              <p:cond delay="0"/>
                             </p:stCondLst>
                             <p:childTnLst>
                               <p:par>
-                                <p:cTn id="21" presetID="42" presetClass="entr" presetSubtype="0" fill="hold" grpId="0" nodeType="afterEffect">
+                                <p:cTn id="28" presetID="2" presetClass="entr" presetSubtype="4" fill="hold" grpId="0" nodeType="clickEffect">
                                   <p:stCondLst>
                                     <p:cond delay="0"/>
                                   </p:stCondLst>
-                                  <p:iterate type="wd">
-                                    <p:tmPct val="10000"/>
-                                  </p:iterate>
                                   <p:childTnLst>
                                     <p:set>
                                       <p:cBhvr>
-                                        <p:cTn id="22" dur="1" fill="hold">
+                                        <p:cTn id="29" dur="1" fill="hold">
                                           <p:stCondLst>
                                             <p:cond delay="0"/>
                                           </p:stCondLst>
@@ -7088,17 +7365,9 @@
                                         <p:strVal val="visible"/>
                                       </p:to>
                                     </p:set>
-                                    <p:animEffect transition="in" filter="fade">
-                                      <p:cBhvr>
-                                        <p:cTn id="23" dur="1000"/>
-                                        <p:tgtEl>
-                                          <p:spTgt spid="9"/>
-                                        </p:tgtEl>
-                                      </p:cBhvr>
-                                    </p:animEffect>
                                     <p:anim calcmode="lin" valueType="num">
-                                      <p:cBhvr>
-                                        <p:cTn id="24" dur="1000" fill="hold"/>
+                                      <p:cBhvr additive="base">
+                                        <p:cTn id="30" dur="500" fill="hold"/>
                                         <p:tgtEl>
                                           <p:spTgt spid="9"/>
                                         </p:tgtEl>
@@ -7120,8 +7389,8 @@
                                       </p:tavLst>
                                     </p:anim>
                                     <p:anim calcmode="lin" valueType="num">
-                                      <p:cBhvr>
-                                        <p:cTn id="25" dur="1000" fill="hold"/>
+                                      <p:cBhvr additive="base">
+                                        <p:cTn id="31" dur="500" fill="hold"/>
                                         <p:tgtEl>
                                           <p:spTgt spid="9"/>
                                         </p:tgtEl>
@@ -7132,7 +7401,7 @@
                                       <p:tavLst>
                                         <p:tav tm="0">
                                           <p:val>
-                                            <p:strVal val="#ppt_y+.1"/>
+                                            <p:strVal val="1+#ppt_h/2"/>
                                           </p:val>
                                         </p:tav>
                                         <p:tav tm="100000">
@@ -7149,20 +7418,20 @@
                           </p:cTn>
                         </p:par>
                         <p:par>
-                          <p:cTn id="26" fill="hold">
+                          <p:cTn id="32" fill="hold">
                             <p:stCondLst>
-                              <p:cond delay="10700"/>
+                              <p:cond delay="500"/>
                             </p:stCondLst>
                             <p:childTnLst>
                               <p:par>
-                                <p:cTn id="27" presetID="14" presetClass="entr" presetSubtype="10" fill="hold" nodeType="afterEffect">
+                                <p:cTn id="33" presetID="2" presetClass="entr" presetSubtype="4" fill="hold" nodeType="afterEffect">
                                   <p:stCondLst>
                                     <p:cond delay="1000"/>
                                   </p:stCondLst>
                                   <p:childTnLst>
                                     <p:set>
                                       <p:cBhvr>
-                                        <p:cTn id="28" dur="1" fill="hold">
+                                        <p:cTn id="34" dur="1" fill="hold">
                                           <p:stCondLst>
                                             <p:cond delay="0"/>
                                           </p:stCondLst>
@@ -7178,14 +7447,52 @@
                                         <p:strVal val="visible"/>
                                       </p:to>
                                     </p:set>
-                                    <p:animEffect transition="in" filter="randombar(horizontal)">
-                                      <p:cBhvr>
-                                        <p:cTn id="29" dur="1000"/>
+                                    <p:anim calcmode="lin" valueType="num">
+                                      <p:cBhvr additive="base">
+                                        <p:cTn id="35" dur="500" fill="hold"/>
                                         <p:tgtEl>
                                           <p:spTgt spid="8"/>
                                         </p:tgtEl>
-                                      </p:cBhvr>
-                                    </p:animEffect>
+                                        <p:attrNameLst>
+                                          <p:attrName>ppt_x</p:attrName>
+                                        </p:attrNameLst>
+                                      </p:cBhvr>
+                                      <p:tavLst>
+                                        <p:tav tm="0">
+                                          <p:val>
+                                            <p:strVal val="#ppt_x"/>
+                                          </p:val>
+                                        </p:tav>
+                                        <p:tav tm="100000">
+                                          <p:val>
+                                            <p:strVal val="#ppt_x"/>
+                                          </p:val>
+                                        </p:tav>
+                                      </p:tavLst>
+                                    </p:anim>
+                                    <p:anim calcmode="lin" valueType="num">
+                                      <p:cBhvr additive="base">
+                                        <p:cTn id="36" dur="500" fill="hold"/>
+                                        <p:tgtEl>
+                                          <p:spTgt spid="8"/>
+                                        </p:tgtEl>
+                                        <p:attrNameLst>
+                                          <p:attrName>ppt_y</p:attrName>
+                                        </p:attrNameLst>
+                                      </p:cBhvr>
+                                      <p:tavLst>
+                                        <p:tav tm="0">
+                                          <p:val>
+                                            <p:strVal val="1+#ppt_h/2"/>
+                                          </p:val>
+                                        </p:tav>
+                                        <p:tav tm="100000">
+                                          <p:val>
+                                            <p:strVal val="#ppt_y"/>
+                                          </p:val>
+                                        </p:tav>
+                                      </p:tavLst>
+                                    </p:anim>
                                   </p:childTnLst>
                                 </p:cTn>
                               </p:par>
@@ -7244,13 +7551,7 @@
       </p:grpSpPr>
       <p:pic>
         <p:nvPicPr>
-          <p:cNvPr id="5" name="内容占位符 4">
-            <a:extLst>
-              <a:ext uri="{FF2B5EF4-FFF2-40B4-BE49-F238E27FC236}">
-                <a16:creationId xmlns:a16="http://schemas.microsoft.com/office/drawing/2014/main" id="{9ABD96C8-6169-457A-A5A3-F5BF42E9BA1C}"/>
-              </a:ext>
-            </a:extLst>
-          </p:cNvPr>
+          <p:cNvPr id="5" name="内容占位符 4"/>
           <p:cNvPicPr>
             <a:picLocks noGrp="1" noChangeAspect="1"/>
           </p:cNvPicPr>
@@ -7259,7 +7560,7 @@
           </p:nvPr>
         </p:nvPicPr>
         <p:blipFill>
-          <a:blip r:embed="rId2">
+          <a:blip r:embed="rId1">
             <a:extLst>
               <a:ext uri="{28A0092B-C50C-407E-A947-70E740481C1C}">
                 <a14:useLocalDpi xmlns:a14="http://schemas.microsoft.com/office/drawing/2010/main" val="0"/>
@@ -7279,20 +7580,14 @@
       </p:pic>
       <p:sp>
         <p:nvSpPr>
-          <p:cNvPr id="6" name="文本框 5">
-            <a:extLst>
-              <a:ext uri="{FF2B5EF4-FFF2-40B4-BE49-F238E27FC236}">
-                <a16:creationId xmlns:a16="http://schemas.microsoft.com/office/drawing/2014/main" id="{6B9054AF-8E5E-4C1E-9D3F-8CABC75D8C25}"/>
-              </a:ext>
-            </a:extLst>
-          </p:cNvPr>
+          <p:cNvPr id="6" name="文本框 5"/>
           <p:cNvSpPr txBox="1"/>
           <p:nvPr/>
         </p:nvSpPr>
         <p:spPr>
           <a:xfrm>
-            <a:off x="1734532" y="1253765"/>
-            <a:ext cx="6240544" cy="923330"/>
+            <a:off x="1599276" y="1564849"/>
+            <a:ext cx="6513921" cy="369332"/>
           </a:xfrm>
           <a:prstGeom prst="rect">
             <a:avLst/>
@@ -7307,41 +7602,28 @@
           <a:p>
             <a:r>
               <a:rPr lang="zh-CN" altLang="en-US" dirty="0"/>
-              <a:t>这是我们乐学堂的所在地，河南省郑州市博学路与龙子湖交叉口河南经贸职业学院，位置可是很不错的哦，学习氛围也很好，乐学堂</a:t>
+              <a:t>这里介绍了教学模式，未来的学习计划和未来</a:t>
             </a:r>
             <a:r>
               <a:rPr lang="en-US" altLang="zh-CN" dirty="0"/>
-              <a:t>——</a:t>
+              <a:t>IT</a:t>
             </a:r>
             <a:r>
               <a:rPr lang="zh-CN" altLang="en-US" dirty="0"/>
-              <a:t>你值得来现场考察一下</a:t>
-            </a:r>
+              <a:t>的行业前景</a:t>
+            </a:r>
+            <a:endParaRPr lang="zh-CN" altLang="en-US" dirty="0"/>
           </a:p>
         </p:txBody>
       </p:sp>
     </p:spTree>
-    <p:extLst>
-      <p:ext uri="{BB962C8B-B14F-4D97-AF65-F5344CB8AC3E}">
-        <p14:creationId xmlns:p14="http://schemas.microsoft.com/office/powerpoint/2010/main" val="4080866310"/>
-      </p:ext>
-    </p:extLst>
   </p:cSld>
   <p:clrMapOvr>
     <a:masterClrMapping/>
   </p:clrMapOvr>
-  <mc:AlternateContent xmlns:mc="http://schemas.openxmlformats.org/markup-compatibility/2006">
-    <mc:Choice xmlns:p14="http://schemas.microsoft.com/office/powerpoint/2010/main" Requires="p14">
-      <p:transition spd="slow" p14:dur="1500" advTm="7000">
-        <p:split orient="vert"/>
-      </p:transition>
-    </mc:Choice>
-    <mc:Fallback>
-      <p:transition spd="slow" advTm="7000">
-        <p:split orient="vert"/>
-      </p:transition>
-    </mc:Fallback>
-  </mc:AlternateContent>
+  <p:transition spd="slow" advTm="5000">
+    <p:circle/>
+  </p:transition>
   <p:timing>
     <p:tnLst>
       <p:par>
@@ -7354,9 +7636,6 @@
                     <p:cTn id="3" fill="hold">
                       <p:stCondLst>
                         <p:cond delay="indefinite"/>
-                        <p:cond evt="onBegin" delay="0">
-                          <p:tn val="2"/>
-                        </p:cond>
                       </p:stCondLst>
                       <p:childTnLst>
                         <p:par>
@@ -7366,13 +7645,10 @@
                             </p:stCondLst>
                             <p:childTnLst>
                               <p:par>
-                                <p:cTn id="5" presetID="14" presetClass="entr" presetSubtype="10" fill="hold" grpId="0" nodeType="afterEffect">
+                                <p:cTn id="5" presetID="2" presetClass="entr" presetSubtype="4" fill="hold" grpId="0" nodeType="clickEffect">
                                   <p:stCondLst>
-                                    <p:cond delay="250"/>
+                                    <p:cond delay="0"/>
                                   </p:stCondLst>
-                                  <p:iterate type="wd">
-                                    <p:tmPct val="10000"/>
-                                  </p:iterate>
                                   <p:childTnLst>
                                     <p:set>
                                       <p:cBhvr>
@@ -7392,35 +7668,82 @@
                                         <p:strVal val="visible"/>
                                       </p:to>
                                     </p:set>
-                                    <p:animEffect transition="in" filter="randombar(horizontal)">
-                                      <p:cBhvr>
-                                        <p:cTn id="7" dur="1000"/>
+                                    <p:anim calcmode="lin" valueType="num">
+                                      <p:cBhvr additive="base">
+                                        <p:cTn id="7" dur="500" fill="hold"/>
                                         <p:tgtEl>
                                           <p:spTgt spid="6"/>
                                         </p:tgtEl>
-                                      </p:cBhvr>
-                                    </p:animEffect>
+                                        <p:attrNameLst>
+                                          <p:attrName>ppt_x</p:attrName>
+                                        </p:attrNameLst>
+                                      </p:cBhvr>
+                                      <p:tavLst>
+                                        <p:tav tm="0">
+                                          <p:val>
+                                            <p:strVal val="#ppt_x"/>
+                                          </p:val>
+                                        </p:tav>
+                                        <p:tav tm="100000">
+                                          <p:val>
+                                            <p:strVal val="#ppt_x"/>
+                                          </p:val>
+                                        </p:tav>
+                                      </p:tavLst>
+                                    </p:anim>
+                                    <p:anim calcmode="lin" valueType="num">
+                                      <p:cBhvr additive="base">
+                                        <p:cTn id="8" dur="500" fill="hold"/>
+                                        <p:tgtEl>
+                                          <p:spTgt spid="6"/>
+                                        </p:tgtEl>
+                                        <p:attrNameLst>
+                                          <p:attrName>ppt_y</p:attrName>
+                                        </p:attrNameLst>
+                                      </p:cBhvr>
+                                      <p:tavLst>
+                                        <p:tav tm="0">
+                                          <p:val>
+                                            <p:strVal val="1+#ppt_h/2"/>
+                                          </p:val>
+                                        </p:tav>
+                                        <p:tav tm="100000">
+                                          <p:val>
+                                            <p:strVal val="#ppt_y"/>
+                                          </p:val>
+                                        </p:tav>
+                                      </p:tavLst>
+                                    </p:anim>
                                   </p:childTnLst>
                                 </p:cTn>
                               </p:par>
                             </p:childTnLst>
                           </p:cTn>
                         </p:par>
+                      </p:childTnLst>
+                    </p:cTn>
+                  </p:par>
+                  <p:par>
+                    <p:cTn id="9" fill="hold">
+                      <p:stCondLst>
+                        <p:cond delay="indefinite"/>
+                      </p:stCondLst>
+                      <p:childTnLst>
                         <p:par>
-                          <p:cTn id="8" fill="hold">
+                          <p:cTn id="10" fill="hold">
                             <p:stCondLst>
-                              <p:cond delay="4650"/>
+                              <p:cond delay="0"/>
                             </p:stCondLst>
                             <p:childTnLst>
                               <p:par>
-                                <p:cTn id="9" presetID="10" presetClass="entr" presetSubtype="0" fill="hold" nodeType="afterEffect">
+                                <p:cTn id="11" presetID="2" presetClass="entr" presetSubtype="4" fill="hold" nodeType="clickEffect">
                                   <p:stCondLst>
-                                    <p:cond delay="0"/>
+                                    <p:cond delay="1000"/>
                                   </p:stCondLst>
                                   <p:childTnLst>
                                     <p:set>
                                       <p:cBhvr>
-                                        <p:cTn id="10" dur="1" fill="hold">
+                                        <p:cTn id="12" dur="1" fill="hold">
                                           <p:stCondLst>
                                             <p:cond delay="0"/>
                                           </p:stCondLst>
@@ -7436,14 +7759,52 @@
                                         <p:strVal val="visible"/>
                                       </p:to>
                                     </p:set>
-                                    <p:animEffect transition="in" filter="fade">
-                                      <p:cBhvr>
-                                        <p:cTn id="11" dur="1000"/>
+                                    <p:anim calcmode="lin" valueType="num">
+                                      <p:cBhvr additive="base">
+                                        <p:cTn id="13" dur="500" fill="hold"/>
                                         <p:tgtEl>
                                           <p:spTgt spid="5"/>
                                         </p:tgtEl>
-                                      </p:cBhvr>
-                                    </p:animEffect>
+                                        <p:attrNameLst>
+                                          <p:attrName>ppt_x</p:attrName>
+                                        </p:attrNameLst>
+                                      </p:cBhvr>
+                                      <p:tavLst>
+                                        <p:tav tm="0">
+                                          <p:val>
+                                            <p:strVal val="#ppt_x"/>
+                                          </p:val>
+                                        </p:tav>
+                                        <p:tav tm="100000">
+                                          <p:val>
+                                            <p:strVal val="#ppt_x"/>
+                                          </p:val>
+                                        </p:tav>
+                                      </p:tavLst>
+                                    </p:anim>
+                                    <p:anim calcmode="lin" valueType="num">
+                                      <p:cBhvr additive="base">
+                                        <p:cTn id="14" dur="500" fill="hold"/>
+                                        <p:tgtEl>
+                                          <p:spTgt spid="5"/>
+                                        </p:tgtEl>
+                                        <p:attrNameLst>
+                                          <p:attrName>ppt_y</p:attrName>
+                                        </p:attrNameLst>
+                                      </p:cBhvr>
+                                      <p:tavLst>
+                                        <p:tav tm="0">
+                                          <p:val>
+                                            <p:strVal val="1+#ppt_h/2"/>
+                                          </p:val>
+                                        </p:tav>
+                                        <p:tav tm="100000">
+                                          <p:val>
+                                            <p:strVal val="#ppt_y"/>
+                                          </p:val>
+                                        </p:tav>
+                                      </p:tavLst>
+                                    </p:anim>
                                   </p:childTnLst>
                                 </p:cTn>
                               </p:par>
@@ -7490,133 +7851,115 @@
         <p:cNvGrpSpPr/>
         <p:nvPr/>
       </p:nvGrpSpPr>
-      <p:grpSpPr>
-        <a:xfrm>
-          <a:off x="0" y="0"/>
-          <a:ext cx="0" cy="0"/>
-          <a:chOff x="0" y="0"/>
-          <a:chExt cx="0" cy="0"/>
-        </a:xfrm>
-      </p:grpSpPr>
-      <p:pic>
-        <p:nvPicPr>
-          <p:cNvPr id="10" name="内容占位符 9">
-            <a:extLst>
-              <a:ext uri="{FF2B5EF4-FFF2-40B4-BE49-F238E27FC236}">
-                <a16:creationId xmlns:a16="http://schemas.microsoft.com/office/drawing/2014/main" id="{B050DD11-BBB4-433C-A2A2-C0E7703854B7}"/>
-              </a:ext>
-            </a:extLst>
-          </p:cNvPr>
-          <p:cNvPicPr>
-            <a:picLocks noGrp="1" noChangeAspect="1"/>
-          </p:cNvPicPr>
+      <p:grpSpPr/>
+      <p:sp>
+        <p:nvSpPr>
+          <p:cNvPr id="2" name="标题 1"/>
+          <p:cNvSpPr>
+            <a:spLocks noGrp="1"/>
+          </p:cNvSpPr>
+          <p:nvPr>
+            <p:ph type="title"/>
+          </p:nvPr>
+        </p:nvSpPr>
+        <p:spPr/>
+        <p:txBody>
+          <a:bodyPr/>
+          <a:p>
+            <a:pPr algn="l"/>
+            <a:br>
+              <a:rPr lang="zh-CN" altLang="en-US"/>
+            </a:br>
+            <a:r>
+              <a:rPr lang="zh-CN" altLang="en-US"/>
+              <a:t>网站样式：</a:t>
+            </a:r>
+            <a:endParaRPr lang="zh-CN" altLang="en-US"/>
+          </a:p>
+        </p:txBody>
+      </p:sp>
+      <p:sp>
+        <p:nvSpPr>
+          <p:cNvPr id="3" name="内容占位符 2"/>
+          <p:cNvSpPr>
+            <a:spLocks noGrp="1"/>
+          </p:cNvSpPr>
           <p:nvPr>
             <p:ph idx="1"/>
           </p:nvPr>
-        </p:nvPicPr>
-        <p:blipFill>
-          <a:blip r:embed="rId2">
-            <a:extLst>
-              <a:ext uri="{28A0092B-C50C-407E-A947-70E740481C1C}">
-                <a14:useLocalDpi xmlns:a14="http://schemas.microsoft.com/office/drawing/2010/main" val="0"/>
-              </a:ext>
-            </a:extLst>
-          </a:blip>
-          <a:stretch>
-            <a:fillRect/>
-          </a:stretch>
-        </p:blipFill>
-        <p:spPr>
-          <a:xfrm>
-            <a:off x="1524168" y="2160588"/>
-            <a:ext cx="6903701" cy="3881437"/>
-          </a:xfrm>
-        </p:spPr>
-      </p:pic>
-      <p:sp>
-        <p:nvSpPr>
-          <p:cNvPr id="11" name="文本框 10">
-            <a:extLst>
-              <a:ext uri="{FF2B5EF4-FFF2-40B4-BE49-F238E27FC236}">
-                <a16:creationId xmlns:a16="http://schemas.microsoft.com/office/drawing/2014/main" id="{4C280349-A362-46D1-A9F2-770884A05B8F}"/>
-              </a:ext>
-            </a:extLst>
-          </p:cNvPr>
-          <p:cNvSpPr txBox="1"/>
-          <p:nvPr/>
-        </p:nvSpPr>
-        <p:spPr>
-          <a:xfrm>
-            <a:off x="1794471" y="1514257"/>
-            <a:ext cx="6363093" cy="646331"/>
-          </a:xfrm>
-          <a:prstGeom prst="rect">
-            <a:avLst/>
-          </a:prstGeom>
-          <a:noFill/>
-        </p:spPr>
-        <p:txBody>
-          <a:bodyPr wrap="square" rtlCol="0">
-            <a:spAutoFit/>
-          </a:bodyPr>
-          <a:lstStyle/>
-          <a:p>
-            <a:r>
-              <a:rPr lang="zh-CN" altLang="en-US" dirty="0"/>
-              <a:t>在这儿可以学习到很多知识，</a:t>
-            </a:r>
-            <a:r>
-              <a:rPr lang="en-US" altLang="zh-CN" dirty="0"/>
-              <a:t>JavaScript</a:t>
-            </a:r>
-            <a:r>
-              <a:rPr lang="zh-CN" altLang="en-US" dirty="0"/>
-              <a:t>、</a:t>
-            </a:r>
-            <a:r>
-              <a:rPr lang="en-US" altLang="zh-CN" dirty="0" err="1"/>
-              <a:t>EcmaScript</a:t>
-            </a:r>
-            <a:r>
-              <a:rPr lang="zh-CN" altLang="en-US" dirty="0"/>
-              <a:t>、</a:t>
-            </a:r>
-            <a:r>
-              <a:rPr lang="en-US" altLang="zh-CN" dirty="0"/>
-              <a:t>PHP</a:t>
-            </a:r>
-            <a:r>
-              <a:rPr lang="zh-CN" altLang="en-US" dirty="0"/>
-              <a:t>和</a:t>
-            </a:r>
-            <a:r>
-              <a:rPr lang="en-US" altLang="zh-CN" dirty="0"/>
-              <a:t>MySQL</a:t>
-            </a:r>
-            <a:r>
-              <a:rPr lang="zh-CN" altLang="en-US" dirty="0"/>
-              <a:t>等</a:t>
-            </a:r>
-            <a:r>
-              <a:rPr lang="en-US" altLang="zh-CN" dirty="0"/>
-              <a:t>…</a:t>
-            </a:r>
-            <a:endParaRPr lang="zh-CN" altLang="en-US" dirty="0"/>
+        </p:nvSpPr>
+        <p:spPr/>
+        <p:txBody>
+          <a:bodyPr/>
+          <a:p>
+            <a:endParaRPr lang="zh-CN" altLang="en-US"/>
+          </a:p>
+          <a:p>
+            <a:r>
+              <a:rPr lang="zh-CN" altLang="en-US"/>
+              <a:t>采用</a:t>
+            </a:r>
+            <a:r>
+              <a:rPr lang="en-US" altLang="zh-CN"/>
+              <a:t>DIV+CSS</a:t>
+            </a:r>
+            <a:r>
+              <a:rPr lang="zh-CN" altLang="en-US"/>
+              <a:t>布局</a:t>
+            </a:r>
+            <a:endParaRPr lang="zh-CN" altLang="en-US"/>
+          </a:p>
+          <a:p>
+            <a:endParaRPr lang="zh-CN" altLang="en-US"/>
+          </a:p>
+          <a:p>
+            <a:r>
+              <a:rPr lang="zh-CN" altLang="en-US"/>
+              <a:t>使用了轮播插件</a:t>
+            </a:r>
+            <a:endParaRPr lang="zh-CN" altLang="en-US"/>
+          </a:p>
+          <a:p>
+            <a:endParaRPr lang="zh-CN" altLang="en-US"/>
+          </a:p>
+          <a:p>
+            <a:r>
+              <a:rPr lang="zh-CN" altLang="en-US"/>
+              <a:t>网站设计偏向扁平化设计，</a:t>
+            </a:r>
+            <a:r>
+              <a:rPr lang="zh-CN" altLang="en-US">
+                <a:sym typeface="+mn-ea"/>
+              </a:rPr>
+              <a:t>去掉厚重和繁杂的装饰效果，可以让信息被作为核心凸显出来。</a:t>
+            </a:r>
+            <a:endParaRPr lang="zh-CN" altLang="en-US">
+              <a:sym typeface="+mn-ea"/>
+            </a:endParaRPr>
+          </a:p>
+          <a:p>
+            <a:r>
+              <a:rPr lang="zh-CN" altLang="en-US">
+                <a:sym typeface="+mn-ea"/>
+              </a:rPr>
+              <a:t>（并不是扁平化设计降低了效率，而是不好的设计降低了效率）</a:t>
+            </a:r>
+            <a:endParaRPr lang="zh-CN" altLang="en-US">
+              <a:sym typeface="+mn-ea"/>
+            </a:endParaRPr>
+          </a:p>
+          <a:p>
+            <a:endParaRPr lang="zh-CN" altLang="en-US"/>
           </a:p>
         </p:txBody>
       </p:sp>
     </p:spTree>
-    <p:extLst>
-      <p:ext uri="{BB962C8B-B14F-4D97-AF65-F5344CB8AC3E}">
-        <p14:creationId xmlns:p14="http://schemas.microsoft.com/office/powerpoint/2010/main" val="2451510839"/>
-      </p:ext>
-    </p:extLst>
   </p:cSld>
   <p:clrMapOvr>
     <a:masterClrMapping/>
   </p:clrMapOvr>
-  <p:transition spd="slow" advTm="6000">
-    <p:wipe/>
+  <p:transition>
+    <p:dissolve/>
   </p:transition>
   <p:timing>
     <p:tnLst>
@@ -7630,9 +7973,6 @@
                     <p:cTn id="3" fill="hold">
                       <p:stCondLst>
                         <p:cond delay="indefinite"/>
-                        <p:cond evt="onBegin" delay="0">
-                          <p:tn val="2"/>
-                        </p:cond>
                       </p:stCondLst>
                       <p:childTnLst>
                         <p:par>
@@ -7642,7 +7982,7 @@
                             </p:stCondLst>
                             <p:childTnLst>
                               <p:par>
-                                <p:cTn id="5" presetID="42" presetClass="entr" presetSubtype="0" fill="hold" grpId="0" nodeType="afterEffect">
+                                <p:cTn id="5" presetID="5" presetClass="entr" presetSubtype="10" fill="hold" nodeType="clickEffect">
                                   <p:stCondLst>
                                     <p:cond delay="0"/>
                                   </p:stCondLst>
@@ -7655,7 +7995,11 @@
                                           </p:stCondLst>
                                         </p:cTn>
                                         <p:tgtEl>
-                                          <p:spTgt spid="11"/>
+                                          <p:spTgt spid="3">
+                                            <p:txEl>
+                                              <p:pRg st="1" end="1"/>
+                                            </p:txEl>
+                                          </p:spTgt>
                                         </p:tgtEl>
                                         <p:attrNameLst>
                                           <p:attrName>style.visibility</p:attrName>
@@ -7665,87 +8009,58 @@
                                         <p:strVal val="visible"/>
                                       </p:to>
                                     </p:set>
-                                    <p:animEffect transition="in" filter="fade">
+                                    <p:animEffect transition="in" filter="checkerboard(across)">
                                       <p:cBhvr>
-                                        <p:cTn id="7" dur="1000"/>
-                                        <p:tgtEl>
-                                          <p:spTgt spid="11"/>
+                                        <p:cTn id="7" dur="500"/>
+                                        <p:tgtEl>
+                                          <p:spTgt spid="3">
+                                            <p:txEl>
+                                              <p:pRg st="1" end="1"/>
+                                            </p:txEl>
+                                          </p:spTgt>
                                         </p:tgtEl>
                                       </p:cBhvr>
                                     </p:animEffect>
-                                    <p:anim calcmode="lin" valueType="num">
-                                      <p:cBhvr>
-                                        <p:cTn id="8" dur="1000" fill="hold"/>
-                                        <p:tgtEl>
-                                          <p:spTgt spid="11"/>
-                                        </p:tgtEl>
-                                        <p:attrNameLst>
-                                          <p:attrName>ppt_x</p:attrName>
-                                        </p:attrNameLst>
-                                      </p:cBhvr>
-                                      <p:tavLst>
-                                        <p:tav tm="0">
-                                          <p:val>
-                                            <p:strVal val="#ppt_x"/>
-                                          </p:val>
-                                        </p:tav>
-                                        <p:tav tm="100000">
-                                          <p:val>
-                                            <p:strVal val="#ppt_x"/>
-                                          </p:val>
-                                        </p:tav>
-                                      </p:tavLst>
-                                    </p:anim>
-                                    <p:anim calcmode="lin" valueType="num">
-                                      <p:cBhvr>
-                                        <p:cTn id="9" dur="1000" fill="hold"/>
-                                        <p:tgtEl>
-                                          <p:spTgt spid="11"/>
-                                        </p:tgtEl>
-                                        <p:attrNameLst>
-                                          <p:attrName>ppt_y</p:attrName>
-                                        </p:attrNameLst>
-                                      </p:cBhvr>
-                                      <p:tavLst>
-                                        <p:tav tm="0">
-                                          <p:val>
-                                            <p:strVal val="#ppt_y+.1"/>
-                                          </p:val>
-                                        </p:tav>
-                                        <p:tav tm="100000">
-                                          <p:val>
-                                            <p:strVal val="#ppt_y"/>
-                                          </p:val>
-                                        </p:tav>
-                                      </p:tavLst>
-                                    </p:anim>
                                   </p:childTnLst>
                                 </p:cTn>
                               </p:par>
                             </p:childTnLst>
                           </p:cTn>
                         </p:par>
+                      </p:childTnLst>
+                    </p:cTn>
+                  </p:par>
+                  <p:par>
+                    <p:cTn id="8" fill="hold">
+                      <p:stCondLst>
+                        <p:cond delay="indefinite"/>
+                      </p:stCondLst>
+                      <p:childTnLst>
                         <p:par>
-                          <p:cTn id="10" fill="hold">
+                          <p:cTn id="9" fill="hold">
                             <p:stCondLst>
-                              <p:cond delay="1000"/>
+                              <p:cond delay="0"/>
                             </p:stCondLst>
                             <p:childTnLst>
                               <p:par>
-                                <p:cTn id="11" presetID="21" presetClass="entr" presetSubtype="1" fill="hold" nodeType="afterEffect">
+                                <p:cTn id="10" presetID="5" presetClass="entr" presetSubtype="10" fill="hold" nodeType="clickEffect">
                                   <p:stCondLst>
-                                    <p:cond delay="1000"/>
+                                    <p:cond delay="0"/>
                                   </p:stCondLst>
                                   <p:childTnLst>
                                     <p:set>
                                       <p:cBhvr>
-                                        <p:cTn id="12" dur="1" fill="hold">
+                                        <p:cTn id="11" dur="1" fill="hold">
                                           <p:stCondLst>
                                             <p:cond delay="0"/>
                                           </p:stCondLst>
                                         </p:cTn>
                                         <p:tgtEl>
-                                          <p:spTgt spid="10"/>
+                                          <p:spTgt spid="3">
+                                            <p:txEl>
+                                              <p:pRg st="3" end="3"/>
+                                            </p:txEl>
+                                          </p:spTgt>
                                         </p:tgtEl>
                                         <p:attrNameLst>
                                           <p:attrName>style.visibility</p:attrName>
@@ -7755,11 +8070,137 @@
                                         <p:strVal val="visible"/>
                                       </p:to>
                                     </p:set>
-                                    <p:animEffect transition="in" filter="wheel(1)">
+                                    <p:animEffect transition="in" filter="checkerboard(across)">
                                       <p:cBhvr>
-                                        <p:cTn id="13" dur="2000"/>
-                                        <p:tgtEl>
-                                          <p:spTgt spid="10"/>
+                                        <p:cTn id="12" dur="500"/>
+                                        <p:tgtEl>
+                                          <p:spTgt spid="3">
+                                            <p:txEl>
+                                              <p:pRg st="3" end="3"/>
+                                            </p:txEl>
+                                          </p:spTgt>
+                                        </p:tgtEl>
+                                      </p:cBhvr>
+                                    </p:animEffect>
+                                  </p:childTnLst>
+                                </p:cTn>
+                              </p:par>
+                            </p:childTnLst>
+                          </p:cTn>
+                        </p:par>
+                      </p:childTnLst>
+                    </p:cTn>
+                  </p:par>
+                  <p:par>
+                    <p:cTn id="13" fill="hold">
+                      <p:stCondLst>
+                        <p:cond delay="indefinite"/>
+                      </p:stCondLst>
+                      <p:childTnLst>
+                        <p:par>
+                          <p:cTn id="14" fill="hold">
+                            <p:stCondLst>
+                              <p:cond delay="0"/>
+                            </p:stCondLst>
+                            <p:childTnLst>
+                              <p:par>
+                                <p:cTn id="15" presetID="5" presetClass="entr" presetSubtype="10" fill="hold" nodeType="clickEffect">
+                                  <p:stCondLst>
+                                    <p:cond delay="0"/>
+                                  </p:stCondLst>
+                                  <p:childTnLst>
+                                    <p:set>
+                                      <p:cBhvr>
+                                        <p:cTn id="16" dur="1" fill="hold">
+                                          <p:stCondLst>
+                                            <p:cond delay="0"/>
+                                          </p:stCondLst>
+                                        </p:cTn>
+                                        <p:tgtEl>
+                                          <p:spTgt spid="3">
+                                            <p:txEl>
+                                              <p:pRg st="5" end="5"/>
+                                            </p:txEl>
+                                          </p:spTgt>
+                                        </p:tgtEl>
+                                        <p:attrNameLst>
+                                          <p:attrName>style.visibility</p:attrName>
+                                        </p:attrNameLst>
+                                      </p:cBhvr>
+                                      <p:to>
+                                        <p:strVal val="visible"/>
+                                      </p:to>
+                                    </p:set>
+                                    <p:animEffect transition="in" filter="checkerboard(across)">
+                                      <p:cBhvr>
+                                        <p:cTn id="17" dur="500"/>
+                                        <p:tgtEl>
+                                          <p:spTgt spid="3">
+                                            <p:txEl>
+                                              <p:pRg st="5" end="5"/>
+                                            </p:txEl>
+                                          </p:spTgt>
+                                        </p:tgtEl>
+                                      </p:cBhvr>
+                                    </p:animEffect>
+                                  </p:childTnLst>
+                                </p:cTn>
+                              </p:par>
+                            </p:childTnLst>
+                          </p:cTn>
+                        </p:par>
+                      </p:childTnLst>
+                    </p:cTn>
+                  </p:par>
+                  <p:par>
+                    <p:cTn id="18" fill="hold">
+                      <p:stCondLst>
+                        <p:cond delay="indefinite"/>
+                      </p:stCondLst>
+                      <p:childTnLst>
+                        <p:par>
+                          <p:cTn id="19" fill="hold">
+                            <p:stCondLst>
+                              <p:cond delay="0"/>
+                            </p:stCondLst>
+                            <p:childTnLst>
+                              <p:par>
+                                <p:cTn id="20" presetID="5" presetClass="entr" presetSubtype="10" fill="hold" nodeType="clickEffect">
+                                  <p:stCondLst>
+                                    <p:cond delay="0"/>
+                                  </p:stCondLst>
+                                  <p:childTnLst>
+                                    <p:set>
+                                      <p:cBhvr>
+                                        <p:cTn id="21" dur="1" fill="hold">
+                                          <p:stCondLst>
+                                            <p:cond delay="0"/>
+                                          </p:stCondLst>
+                                        </p:cTn>
+                                        <p:tgtEl>
+                                          <p:spTgt spid="3">
+                                            <p:txEl>
+                                              <p:pRg st="6" end="6"/>
+                                            </p:txEl>
+                                          </p:spTgt>
+                                        </p:tgtEl>
+                                        <p:attrNameLst>
+                                          <p:attrName>style.visibility</p:attrName>
+                                        </p:attrNameLst>
+                                      </p:cBhvr>
+                                      <p:to>
+                                        <p:strVal val="visible"/>
+                                      </p:to>
+                                    </p:set>
+                                    <p:animEffect transition="in" filter="checkerboard(across)">
+                                      <p:cBhvr>
+                                        <p:cTn id="22" dur="500"/>
+                                        <p:tgtEl>
+                                          <p:spTgt spid="3">
+                                            <p:txEl>
+                                              <p:pRg st="6" end="6"/>
+                                            </p:txEl>
+                                          </p:spTgt>
                                         </p:tgtEl>
                                       </p:cBhvr>
                                     </p:animEffect>
@@ -7793,9 +8234,6 @@
         </p:cTn>
       </p:par>
     </p:tnLst>
-    <p:bldLst>
-      <p:bldP spid="11" grpId="0"/>
-    </p:bldLst>
   </p:timing>
 </p:sld>
 </file>
@@ -7809,65 +8247,47 @@
         <p:cNvGrpSpPr/>
         <p:nvPr/>
       </p:nvGrpSpPr>
-      <p:grpSpPr>
-        <a:xfrm>
-          <a:off x="0" y="0"/>
-          <a:ext cx="0" cy="0"/>
-          <a:chOff x="0" y="0"/>
-          <a:chExt cx="0" cy="0"/>
-        </a:xfrm>
-      </p:grpSpPr>
-      <p:pic>
-        <p:nvPicPr>
-          <p:cNvPr id="5" name="内容占位符 4">
-            <a:extLst>
-              <a:ext uri="{FF2B5EF4-FFF2-40B4-BE49-F238E27FC236}">
-                <a16:creationId xmlns:a16="http://schemas.microsoft.com/office/drawing/2014/main" id="{774989FE-2603-414B-90D2-80809214F655}"/>
-              </a:ext>
-            </a:extLst>
-          </p:cNvPr>
-          <p:cNvPicPr>
-            <a:picLocks noGrp="1" noChangeAspect="1"/>
-          </p:cNvPicPr>
+      <p:grpSpPr/>
+      <p:sp>
+        <p:nvSpPr>
+          <p:cNvPr id="2" name="标题 1"/>
+          <p:cNvSpPr>
+            <a:spLocks noGrp="1"/>
+          </p:cNvSpPr>
           <p:nvPr>
-            <p:ph idx="1"/>
+            <p:ph type="title"/>
           </p:nvPr>
-        </p:nvPicPr>
-        <p:blipFill>
-          <a:blip r:embed="rId2">
-            <a:extLst>
-              <a:ext uri="{28A0092B-C50C-407E-A947-70E740481C1C}">
-                <a14:useLocalDpi xmlns:a14="http://schemas.microsoft.com/office/drawing/2010/main" val="0"/>
-              </a:ext>
-            </a:extLst>
-          </a:blip>
-          <a:stretch>
-            <a:fillRect/>
-          </a:stretch>
-        </p:blipFill>
+        </p:nvSpPr>
         <p:spPr>
           <a:xfrm>
-            <a:off x="1524168" y="2160588"/>
-            <a:ext cx="6903701" cy="3881437"/>
+            <a:off x="809414" y="609600"/>
+            <a:ext cx="8596668" cy="1320800"/>
           </a:xfrm>
         </p:spPr>
-      </p:pic>
-      <p:sp>
-        <p:nvSpPr>
-          <p:cNvPr id="6" name="文本框 5">
-            <a:extLst>
-              <a:ext uri="{FF2B5EF4-FFF2-40B4-BE49-F238E27FC236}">
-                <a16:creationId xmlns:a16="http://schemas.microsoft.com/office/drawing/2014/main" id="{16C6E297-DA88-4730-9B66-BD9519264391}"/>
-              </a:ext>
-            </a:extLst>
-          </p:cNvPr>
+        <p:txBody>
+          <a:bodyPr/>
+          <a:p>
+            <a:br>
+              <a:rPr lang="zh-CN" altLang="en-US"/>
+            </a:br>
+            <a:r>
+              <a:rPr lang="zh-CN" altLang="en-US"/>
+              <a:t>后端方面：</a:t>
+            </a:r>
+            <a:endParaRPr lang="zh-CN" altLang="en-US"/>
+          </a:p>
+        </p:txBody>
+      </p:sp>
+      <p:sp>
+        <p:nvSpPr>
+          <p:cNvPr id="4" name="文本框 3"/>
           <p:cNvSpPr txBox="1"/>
           <p:nvPr/>
         </p:nvSpPr>
         <p:spPr>
           <a:xfrm>
-            <a:off x="1599276" y="1564849"/>
-            <a:ext cx="6513921" cy="369332"/>
+            <a:off x="808990" y="1930400"/>
+            <a:ext cx="7831455" cy="645160"/>
           </a:xfrm>
           <a:prstGeom prst="rect">
             <a:avLst/>
@@ -7878,35 +8298,172 @@
           <a:bodyPr wrap="square" rtlCol="0">
             <a:spAutoFit/>
           </a:bodyPr>
-          <a:lstStyle/>
-          <a:p>
-            <a:r>
-              <a:rPr lang="zh-CN" altLang="en-US" dirty="0"/>
-              <a:t>这里介绍了教学模式，未来的学习计划和未来</a:t>
-            </a:r>
-            <a:r>
-              <a:rPr lang="en-US" altLang="zh-CN" dirty="0"/>
-              <a:t>IT</a:t>
-            </a:r>
-            <a:r>
-              <a:rPr lang="zh-CN" altLang="en-US" dirty="0"/>
-              <a:t>的行业前景</a:t>
-            </a:r>
+          <a:p>
+            <a:endParaRPr lang="en-US" altLang="zh-CN">
+              <a:sym typeface="+mn-ea"/>
+            </a:endParaRPr>
+          </a:p>
+          <a:p>
+            <a:r>
+              <a:rPr lang="en-US" altLang="zh-CN">
+                <a:sym typeface="+mn-ea"/>
+              </a:rPr>
+              <a:t>1.</a:t>
+            </a:r>
+            <a:r>
+              <a:rPr lang="zh-CN" altLang="en-US">
+                <a:sym typeface="+mn-ea"/>
+              </a:rPr>
+              <a:t>采用</a:t>
+            </a:r>
+            <a:r>
+              <a:rPr lang="en-US" altLang="zh-CN">
+                <a:sym typeface="+mn-ea"/>
+              </a:rPr>
+              <a:t>php</a:t>
+            </a:r>
+            <a:r>
+              <a:rPr lang="zh-CN" altLang="en-US">
+                <a:sym typeface="+mn-ea"/>
+              </a:rPr>
+              <a:t>语言开发，数据库通过</a:t>
+            </a:r>
+            <a:r>
+              <a:rPr lang="en-US" altLang="zh-CN">
+                <a:sym typeface="+mn-ea"/>
+              </a:rPr>
+              <a:t>mysql</a:t>
+            </a:r>
+            <a:r>
+              <a:rPr lang="zh-CN" altLang="en-US">
+                <a:sym typeface="+mn-ea"/>
+              </a:rPr>
+              <a:t>管理。</a:t>
+            </a:r>
+            <a:endParaRPr lang="zh-CN" altLang="en-US"/>
+          </a:p>
+        </p:txBody>
+      </p:sp>
+      <p:sp>
+        <p:nvSpPr>
+          <p:cNvPr id="5" name="文本框 4"/>
+          <p:cNvSpPr txBox="1"/>
+          <p:nvPr/>
+        </p:nvSpPr>
+        <p:spPr>
+          <a:xfrm>
+            <a:off x="809625" y="3106420"/>
+            <a:ext cx="8096250" cy="645160"/>
+          </a:xfrm>
+          <a:prstGeom prst="rect">
+            <a:avLst/>
+          </a:prstGeom>
+          <a:noFill/>
+        </p:spPr>
+        <p:txBody>
+          <a:bodyPr wrap="square" rtlCol="0">
+            <a:spAutoFit/>
+          </a:bodyPr>
+          <a:p>
+            <a:r>
+              <a:rPr lang="en-US" altLang="zh-CN">
+                <a:sym typeface="+mn-ea"/>
+              </a:rPr>
+              <a:t>2.</a:t>
+            </a:r>
+            <a:r>
+              <a:rPr lang="zh-CN" altLang="en-US">
+                <a:sym typeface="+mn-ea"/>
+              </a:rPr>
+              <a:t>使用</a:t>
+            </a:r>
+            <a:r>
+              <a:rPr lang="en-US" altLang="zh-CN">
+                <a:sym typeface="+mn-ea"/>
+              </a:rPr>
+              <a:t>PHP</a:t>
+            </a:r>
+            <a:r>
+              <a:rPr lang="zh-CN" altLang="en-US">
+                <a:sym typeface="+mn-ea"/>
+              </a:rPr>
+              <a:t>现成的框架</a:t>
+            </a:r>
+            <a:r>
+              <a:rPr lang="en-US" altLang="zh-CN">
+                <a:sym typeface="+mn-ea"/>
+              </a:rPr>
+              <a:t>phpcms</a:t>
+            </a:r>
+            <a:r>
+              <a:rPr lang="zh-CN" altLang="en-US">
+                <a:sym typeface="+mn-ea"/>
+              </a:rPr>
+              <a:t>，大大减少了</a:t>
+            </a:r>
+            <a:r>
+              <a:rPr lang="en-US" altLang="zh-CN">
+                <a:sym typeface="+mn-ea"/>
+              </a:rPr>
+              <a:t>php</a:t>
+            </a:r>
+            <a:r>
+              <a:rPr lang="zh-CN" altLang="en-US">
+                <a:sym typeface="+mn-ea"/>
+              </a:rPr>
+              <a:t>开发的困难程度，从而快速搭建好后端。</a:t>
+            </a:r>
+            <a:endParaRPr lang="zh-CN" altLang="en-US"/>
+          </a:p>
+        </p:txBody>
+      </p:sp>
+      <p:sp>
+        <p:nvSpPr>
+          <p:cNvPr id="7" name="文本框 6"/>
+          <p:cNvSpPr txBox="1"/>
+          <p:nvPr/>
+        </p:nvSpPr>
+        <p:spPr>
+          <a:xfrm>
+            <a:off x="809625" y="4385945"/>
+            <a:ext cx="7830820" cy="922020"/>
+          </a:xfrm>
+          <a:prstGeom prst="rect">
+            <a:avLst/>
+          </a:prstGeom>
+          <a:noFill/>
+        </p:spPr>
+        <p:txBody>
+          <a:bodyPr wrap="square" rtlCol="0">
+            <a:spAutoFit/>
+          </a:bodyPr>
+          <a:p>
+            <a:r>
+              <a:rPr lang="en-US" altLang="zh-CN">
+                <a:sym typeface="+mn-ea"/>
+              </a:rPr>
+              <a:t>3.</a:t>
+            </a:r>
+            <a:r>
+              <a:rPr lang="zh-CN" altLang="en-US">
+                <a:sym typeface="+mn-ea"/>
+              </a:rPr>
+              <a:t>可通过后端管理界面来控制和管理界面的添加、删除数据，可以在网上及时呈现。</a:t>
+            </a:r>
+            <a:endParaRPr lang="zh-CN" altLang="en-US"/>
+          </a:p>
+          <a:p>
+            <a:endParaRPr lang="zh-CN" altLang="en-US"/>
           </a:p>
         </p:txBody>
       </p:sp>
     </p:spTree>
-    <p:extLst>
-      <p:ext uri="{BB962C8B-B14F-4D97-AF65-F5344CB8AC3E}">
-        <p14:creationId xmlns:p14="http://schemas.microsoft.com/office/powerpoint/2010/main" val="836517819"/>
-      </p:ext>
-    </p:extLst>
   </p:cSld>
   <p:clrMapOvr>
     <a:masterClrMapping/>
   </p:clrMapOvr>
-  <p:transition spd="slow" advTm="5000">
-    <p:push dir="u"/>
+  <p:transition>
+    <p:dissolve/>
   </p:transition>
   <p:timing>
     <p:tnLst>
@@ -7920,9 +8477,6 @@
                     <p:cTn id="3" fill="hold">
                       <p:stCondLst>
                         <p:cond delay="indefinite"/>
-                        <p:cond evt="onBegin" delay="0">
-                          <p:tn val="2"/>
-                        </p:cond>
                       </p:stCondLst>
                       <p:childTnLst>
                         <p:par>
@@ -7932,7 +8486,7 @@
                             </p:stCondLst>
                             <p:childTnLst>
                               <p:par>
-                                <p:cTn id="5" presetID="14" presetClass="entr" presetSubtype="10" fill="hold" grpId="0" nodeType="afterEffect">
+                                <p:cTn id="5" presetID="8" presetClass="entr" presetSubtype="16" fill="hold" nodeType="clickEffect">
                                   <p:stCondLst>
                                     <p:cond delay="0"/>
                                   </p:stCondLst>
@@ -7945,7 +8499,11 @@
                                           </p:stCondLst>
                                         </p:cTn>
                                         <p:tgtEl>
-                                          <p:spTgt spid="6"/>
+                                          <p:spTgt spid="4">
+                                            <p:txEl>
+                                              <p:pRg st="1" end="1"/>
+                                            </p:txEl>
+                                          </p:spTgt>
                                         </p:tgtEl>
                                         <p:attrNameLst>
                                           <p:attrName>style.visibility</p:attrName>
@@ -7955,11 +8513,15 @@
                                         <p:strVal val="visible"/>
                                       </p:to>
                                     </p:set>
-                                    <p:animEffect transition="in" filter="randombar(horizontal)">
+                                    <p:animEffect transition="in" filter="diamond(in)">
                                       <p:cBhvr>
-                                        <p:cTn id="7" dur="1000"/>
-                                        <p:tgtEl>
-                                          <p:spTgt spid="6"/>
+                                        <p:cTn id="7" dur="2000"/>
+                                        <p:tgtEl>
+                                          <p:spTgt spid="4">
+                                            <p:txEl>
+                                              <p:pRg st="1" end="1"/>
+                                            </p:txEl>
+                                          </p:spTgt>
                                         </p:tgtEl>
                                       </p:cBhvr>
                                     </p:animEffect>
@@ -7969,27 +8531,40 @@
                             </p:childTnLst>
                           </p:cTn>
                         </p:par>
+                      </p:childTnLst>
+                    </p:cTn>
+                  </p:par>
+                  <p:par>
+                    <p:cTn id="8" fill="hold">
+                      <p:stCondLst>
+                        <p:cond delay="indefinite"/>
+                      </p:stCondLst>
+                      <p:childTnLst>
                         <p:par>
-                          <p:cTn id="8" fill="hold">
+                          <p:cTn id="9" fill="hold">
                             <p:stCondLst>
-                              <p:cond delay="1000"/>
+                              <p:cond delay="0"/>
                             </p:stCondLst>
                             <p:childTnLst>
                               <p:par>
-                                <p:cTn id="9" presetID="53" presetClass="entr" presetSubtype="16" fill="hold" nodeType="afterEffect">
+                                <p:cTn id="10" presetID="2" presetClass="entr" presetSubtype="4" fill="hold" nodeType="clickEffect">
                                   <p:stCondLst>
-                                    <p:cond delay="1000"/>
+                                    <p:cond delay="0"/>
                                   </p:stCondLst>
                                   <p:childTnLst>
                                     <p:set>
                                       <p:cBhvr>
-                                        <p:cTn id="10" dur="1" fill="hold">
+                                        <p:cTn id="11" dur="1" fill="hold">
                                           <p:stCondLst>
                                             <p:cond delay="0"/>
                                           </p:stCondLst>
                                         </p:cTn>
                                         <p:tgtEl>
-                                          <p:spTgt spid="5"/>
+                                          <p:spTgt spid="5">
+                                            <p:txEl>
+                                              <p:pRg st="0" end="0"/>
+                                            </p:txEl>
+                                          </p:spTgt>
                                         </p:tgtEl>
                                         <p:attrNameLst>
                                           <p:attrName>style.visibility</p:attrName>
@@ -8000,56 +8575,117 @@
                                       </p:to>
                                     </p:set>
                                     <p:anim calcmode="lin" valueType="num">
-                                      <p:cBhvr>
-                                        <p:cTn id="11" dur="1000" fill="hold"/>
-                                        <p:tgtEl>
-                                          <p:spTgt spid="5"/>
+                                      <p:cBhvr additive="base">
+                                        <p:cTn id="12" dur="500" fill="hold"/>
+                                        <p:tgtEl>
+                                          <p:spTgt spid="5">
+                                            <p:txEl>
+                                              <p:pRg st="0" end="0"/>
+                                            </p:txEl>
+                                          </p:spTgt>
                                         </p:tgtEl>
                                         <p:attrNameLst>
-                                          <p:attrName>ppt_w</p:attrName>
+                                          <p:attrName>ppt_x</p:attrName>
                                         </p:attrNameLst>
                                       </p:cBhvr>
                                       <p:tavLst>
                                         <p:tav tm="0">
                                           <p:val>
-                                            <p:fltVal val="0"/>
+                                            <p:strVal val="#ppt_x"/>
                                           </p:val>
                                         </p:tav>
                                         <p:tav tm="100000">
                                           <p:val>
-                                            <p:strVal val="#ppt_w"/>
+                                            <p:strVal val="#ppt_x"/>
                                           </p:val>
                                         </p:tav>
                                       </p:tavLst>
                                     </p:anim>
                                     <p:anim calcmode="lin" valueType="num">
-                                      <p:cBhvr>
-                                        <p:cTn id="12" dur="1000" fill="hold"/>
-                                        <p:tgtEl>
-                                          <p:spTgt spid="5"/>
+                                      <p:cBhvr additive="base">
+                                        <p:cTn id="13" dur="500" fill="hold"/>
+                                        <p:tgtEl>
+                                          <p:spTgt spid="5">
+                                            <p:txEl>
+                                              <p:pRg st="0" end="0"/>
+                                            </p:txEl>
+                                          </p:spTgt>
                                         </p:tgtEl>
                                         <p:attrNameLst>
-                                          <p:attrName>ppt_h</p:attrName>
+                                          <p:attrName>ppt_y</p:attrName>
                                         </p:attrNameLst>
                                       </p:cBhvr>
                                       <p:tavLst>
                                         <p:tav tm="0">
                                           <p:val>
-                                            <p:fltVal val="0"/>
+                                            <p:strVal val="1+#ppt_h/2"/>
                                           </p:val>
                                         </p:tav>
                                         <p:tav tm="100000">
                                           <p:val>
-                                            <p:strVal val="#ppt_h"/>
+                                            <p:strVal val="#ppt_y"/>
                                           </p:val>
                                         </p:tav>
                                       </p:tavLst>
                                     </p:anim>
-                                    <p:animEffect transition="in" filter="fade">
+                                  </p:childTnLst>
+                                </p:cTn>
+                              </p:par>
+                            </p:childTnLst>
+                          </p:cTn>
+                        </p:par>
+                      </p:childTnLst>
+                    </p:cTn>
+                  </p:par>
+                  <p:par>
+                    <p:cTn id="14" fill="hold">
+                      <p:stCondLst>
+                        <p:cond delay="indefinite"/>
+                      </p:stCondLst>
+                      <p:childTnLst>
+                        <p:par>
+                          <p:cTn id="15" fill="hold">
+                            <p:stCondLst>
+                              <p:cond delay="0"/>
+                            </p:stCondLst>
+                            <p:childTnLst>
+                              <p:par>
+                                <p:cTn id="16" presetID="3" presetClass="entr" presetSubtype="10" fill="hold" nodeType="clickEffect">
+                                  <p:stCondLst>
+                                    <p:cond delay="0"/>
+                                  </p:stCondLst>
+                                  <p:childTnLst>
+                                    <p:set>
                                       <p:cBhvr>
-                                        <p:cTn id="13" dur="1000"/>
-                                        <p:tgtEl>
-                                          <p:spTgt spid="5"/>
+                                        <p:cTn id="17" dur="1" fill="hold">
+                                          <p:stCondLst>
+                                            <p:cond delay="0"/>
+                                          </p:stCondLst>
+                                        </p:cTn>
+                                        <p:tgtEl>
+                                          <p:spTgt spid="7">
+                                            <p:txEl>
+                                              <p:pRg st="0" end="0"/>
+                                            </p:txEl>
+                                          </p:spTgt>
+                                        </p:tgtEl>
+                                        <p:attrNameLst>
+                                          <p:attrName>style.visibility</p:attrName>
+                                        </p:attrNameLst>
+                                      </p:cBhvr>
+                                      <p:to>
+                                        <p:strVal val="visible"/>
+                                      </p:to>
+                                    </p:set>
+                                    <p:animEffect transition="in" filter="blinds(horizontal)">
+                                      <p:cBhvr>
+                                        <p:cTn id="18" dur="500"/>
+                                        <p:tgtEl>
+                                          <p:spTgt spid="7">
+                                            <p:txEl>
+                                              <p:pRg st="0" end="0"/>
+                                            </p:txEl>
+                                          </p:spTgt>
                                         </p:tgtEl>
                                       </p:cBhvr>
                                     </p:animEffect>
@@ -8083,9 +8719,6 @@
         </p:cTn>
       </p:par>
     </p:tnLst>
-    <p:bldLst>
-      <p:bldP spid="6" grpId="0"/>
-    </p:bldLst>
   </p:timing>
 </p:sld>
 </file>
@@ -8099,230 +8732,78 @@
         <p:cNvGrpSpPr/>
         <p:nvPr/>
       </p:nvGrpSpPr>
-      <p:grpSpPr>
-        <a:xfrm>
-          <a:off x="0" y="0"/>
-          <a:ext cx="0" cy="0"/>
-          <a:chOff x="0" y="0"/>
-          <a:chExt cx="0" cy="0"/>
-        </a:xfrm>
-      </p:grpSpPr>
-      <p:pic>
-        <p:nvPicPr>
-          <p:cNvPr id="5" name="内容占位符 4">
-            <a:extLst>
-              <a:ext uri="{FF2B5EF4-FFF2-40B4-BE49-F238E27FC236}">
-                <a16:creationId xmlns:a16="http://schemas.microsoft.com/office/drawing/2014/main" id="{226B71BF-512D-4307-8BB8-7F22E8F4FC1C}"/>
-              </a:ext>
-            </a:extLst>
-          </p:cNvPr>
-          <p:cNvPicPr>
-            <a:picLocks noGrp="1" noChangeAspect="1"/>
-          </p:cNvPicPr>
+      <p:grpSpPr/>
+      <p:sp>
+        <p:nvSpPr>
+          <p:cNvPr id="2" name="标题 1"/>
+          <p:cNvSpPr>
+            <a:spLocks noGrp="1"/>
+          </p:cNvSpPr>
+          <p:nvPr>
+            <p:ph type="title"/>
+          </p:nvPr>
+        </p:nvSpPr>
+        <p:spPr/>
+        <p:txBody>
+          <a:bodyPr/>
+          <a:p>
+            <a:r>
+              <a:rPr lang="zh-CN" altLang="en-US"/>
+              <a:t>关于</a:t>
+            </a:r>
+            <a:r>
+              <a:rPr lang="en-US" altLang="zh-CN"/>
+              <a:t>phpcms</a:t>
+            </a:r>
+            <a:r>
+              <a:rPr lang="zh-CN" altLang="en-US"/>
+              <a:t>简单</a:t>
+            </a:r>
+            <a:r>
+              <a:rPr lang="zh-CN" altLang="en-US"/>
+              <a:t>介绍：</a:t>
+            </a:r>
+            <a:endParaRPr lang="zh-CN" altLang="en-US"/>
+          </a:p>
+        </p:txBody>
+      </p:sp>
+      <p:sp>
+        <p:nvSpPr>
+          <p:cNvPr id="3" name="内容占位符 2"/>
+          <p:cNvSpPr>
+            <a:spLocks noGrp="1"/>
+          </p:cNvSpPr>
           <p:nvPr>
             <p:ph idx="1"/>
           </p:nvPr>
-        </p:nvPicPr>
-        <p:blipFill>
-          <a:blip r:embed="rId2">
-            <a:extLst>
-              <a:ext uri="{28A0092B-C50C-407E-A947-70E740481C1C}">
-                <a14:useLocalDpi xmlns:a14="http://schemas.microsoft.com/office/drawing/2010/main" val="0"/>
-              </a:ext>
-            </a:extLst>
-          </a:blip>
-          <a:stretch>
-            <a:fillRect/>
-          </a:stretch>
-        </p:blipFill>
-        <p:spPr>
-          <a:xfrm>
-            <a:off x="1524168" y="2160588"/>
-            <a:ext cx="6903701" cy="3881437"/>
-          </a:xfrm>
-        </p:spPr>
-      </p:pic>
-      <p:sp>
-        <p:nvSpPr>
-          <p:cNvPr id="6" name="文本框 5">
-            <a:extLst>
-              <a:ext uri="{FF2B5EF4-FFF2-40B4-BE49-F238E27FC236}">
-                <a16:creationId xmlns:a16="http://schemas.microsoft.com/office/drawing/2014/main" id="{21FD6549-1FF9-4C2A-9B5F-53DA9E0C3349}"/>
-              </a:ext>
-            </a:extLst>
-          </p:cNvPr>
-          <p:cNvSpPr txBox="1"/>
-          <p:nvPr/>
-        </p:nvSpPr>
-        <p:spPr>
-          <a:xfrm>
-            <a:off x="1524168" y="1357459"/>
-            <a:ext cx="6551629" cy="646331"/>
-          </a:xfrm>
-          <a:prstGeom prst="rect">
-            <a:avLst/>
-          </a:prstGeom>
-          <a:noFill/>
-        </p:spPr>
-        <p:txBody>
-          <a:bodyPr wrap="square" rtlCol="0">
-            <a:spAutoFit/>
-          </a:bodyPr>
-          <a:lstStyle/>
-          <a:p>
-            <a:r>
-              <a:rPr lang="zh-CN" altLang="en-US" dirty="0"/>
-              <a:t>这里设置了几个小标题，是一些论坛与培养人才主题的信息，可以更加深入的了解我们乐学堂这个平台。</a:t>
-            </a:r>
+        </p:nvSpPr>
+        <p:spPr/>
+        <p:txBody>
+          <a:bodyPr/>
+          <a:p>
+            <a:r>
+              <a:rPr lang="zh-CN" altLang="en-US"/>
+              <a:t>PHPCMS是一款网站管理软件。该软件采用模块化开发，支持多种分类方式，使用它可方便实现个性化网站的设计、开发与维护。它支持众多的程序组合，可轻松实现网站平台迁移，并可广泛满足各种规模的网站需求，可靠性高，是一款具备文章、下载、图片、分类信息、影视、商城、采集、财务等众多功能的强大、易用、可扩展的优秀网站管理软件。</a:t>
+            </a:r>
+            <a:endParaRPr lang="zh-CN" altLang="en-US"/>
+          </a:p>
+          <a:p>
+            <a:r>
+              <a:rPr lang="zh-CN" altLang="en-US"/>
+              <a:t>采用全球认可的最为先进的开发理念--OOP（面向对象），进行全新框架设计。框架结构更为清晰，代码更易于维护。模块化做为功能的开发形式，让扩展性得到保证。V9特别设计的二次开发扩展方式，让你不再修改官方的代码文件，就可以对功能代码进行重写。让你轻松享受二次开发带来的便捷的同时，不再为官方升级而担忧。</a:t>
+            </a:r>
+            <a:endParaRPr lang="zh-CN" altLang="en-US"/>
           </a:p>
         </p:txBody>
       </p:sp>
     </p:spTree>
-    <p:extLst>
-      <p:ext uri="{BB962C8B-B14F-4D97-AF65-F5344CB8AC3E}">
-        <p14:creationId xmlns:p14="http://schemas.microsoft.com/office/powerpoint/2010/main" val="2735138112"/>
-      </p:ext>
-    </p:extLst>
   </p:cSld>
   <p:clrMapOvr>
     <a:masterClrMapping/>
   </p:clrMapOvr>
-  <p:transition spd="med" advTm="5500">
-    <p:pull/>
+  <p:transition>
+    <p:dissolve/>
   </p:transition>
-  <p:timing>
-    <p:tnLst>
-      <p:par>
-        <p:cTn id="1" dur="indefinite" restart="never" nodeType="tmRoot">
-          <p:childTnLst>
-            <p:seq concurrent="1" nextAc="seek">
-              <p:cTn id="2" dur="indefinite" nodeType="mainSeq">
-                <p:childTnLst>
-                  <p:par>
-                    <p:cTn id="3" fill="hold">
-                      <p:stCondLst>
-                        <p:cond delay="indefinite"/>
-                        <p:cond evt="onBegin" delay="0">
-                          <p:tn val="2"/>
-                        </p:cond>
-                      </p:stCondLst>
-                      <p:childTnLst>
-                        <p:par>
-                          <p:cTn id="4" fill="hold">
-                            <p:stCondLst>
-                              <p:cond delay="0"/>
-                            </p:stCondLst>
-                            <p:childTnLst>
-                              <p:par>
-                                <p:cTn id="5" presetID="6" presetClass="entr" presetSubtype="16" fill="hold" grpId="0" nodeType="afterEffect">
-                                  <p:stCondLst>
-                                    <p:cond delay="0"/>
-                                  </p:stCondLst>
-                                  <p:childTnLst>
-                                    <p:set>
-                                      <p:cBhvr>
-                                        <p:cTn id="6" dur="1" fill="hold">
-                                          <p:stCondLst>
-                                            <p:cond delay="0"/>
-                                          </p:stCondLst>
-                                        </p:cTn>
-                                        <p:tgtEl>
-                                          <p:spTgt spid="6"/>
-                                        </p:tgtEl>
-                                        <p:attrNameLst>
-                                          <p:attrName>style.visibility</p:attrName>
-                                        </p:attrNameLst>
-                                      </p:cBhvr>
-                                      <p:to>
-                                        <p:strVal val="visible"/>
-                                      </p:to>
-                                    </p:set>
-                                    <p:animEffect transition="in" filter="circle(in)">
-                                      <p:cBhvr>
-                                        <p:cTn id="7" dur="2000"/>
-                                        <p:tgtEl>
-                                          <p:spTgt spid="6"/>
-                                        </p:tgtEl>
-                                      </p:cBhvr>
-                                    </p:animEffect>
-                                  </p:childTnLst>
-                                </p:cTn>
-                              </p:par>
-                            </p:childTnLst>
-                          </p:cTn>
-                        </p:par>
-                        <p:par>
-                          <p:cTn id="8" fill="hold">
-                            <p:stCondLst>
-                              <p:cond delay="2000"/>
-                            </p:stCondLst>
-                            <p:childTnLst>
-                              <p:par>
-                                <p:cTn id="9" presetID="16" presetClass="entr" presetSubtype="21" fill="hold" nodeType="afterEffect">
-                                  <p:stCondLst>
-                                    <p:cond delay="1000"/>
-                                  </p:stCondLst>
-                                  <p:childTnLst>
-                                    <p:set>
-                                      <p:cBhvr>
-                                        <p:cTn id="10" dur="1" fill="hold">
-                                          <p:stCondLst>
-                                            <p:cond delay="0"/>
-                                          </p:stCondLst>
-                                        </p:cTn>
-                                        <p:tgtEl>
-                                          <p:spTgt spid="5"/>
-                                        </p:tgtEl>
-                                        <p:attrNameLst>
-                                          <p:attrName>style.visibility</p:attrName>
-                                        </p:attrNameLst>
-                                      </p:cBhvr>
-                                      <p:to>
-                                        <p:strVal val="visible"/>
-                                      </p:to>
-                                    </p:set>
-                                    <p:animEffect transition="in" filter="barn(inVertical)">
-                                      <p:cBhvr>
-                                        <p:cTn id="11" dur="1000"/>
-                                        <p:tgtEl>
-                                          <p:spTgt spid="5"/>
-                                        </p:tgtEl>
-                                      </p:cBhvr>
-                                    </p:animEffect>
-                                  </p:childTnLst>
-                                </p:cTn>
-                              </p:par>
-                            </p:childTnLst>
-                          </p:cTn>
-                        </p:par>
-                      </p:childTnLst>
-                    </p:cTn>
-                  </p:par>
-                </p:childTnLst>
-              </p:cTn>
-              <p:prevCondLst>
-                <p:cond evt="onPrev" delay="0">
-                  <p:tgtEl>
-                    <p:sldTgt/>
-                  </p:tgtEl>
-                </p:cond>
-              </p:prevCondLst>
-              <p:nextCondLst>
-                <p:cond evt="onNext" delay="0">
-                  <p:tgtEl>
-                    <p:sldTgt/>
-                  </p:tgtEl>
-                </p:cond>
-              </p:nextCondLst>
-            </p:seq>
-          </p:childTnLst>
-        </p:cTn>
-      </p:par>
-    </p:tnLst>
-    <p:bldLst>
-      <p:bldP spid="6" grpId="0"/>
-    </p:bldLst>
-  </p:timing>
 </p:sld>
 </file>
 
@@ -8345,20 +8826,14 @@
       </p:grpSpPr>
       <p:pic>
         <p:nvPicPr>
-          <p:cNvPr id="7" name="图片 6">
-            <a:extLst>
-              <a:ext uri="{FF2B5EF4-FFF2-40B4-BE49-F238E27FC236}">
-                <a16:creationId xmlns:a16="http://schemas.microsoft.com/office/drawing/2014/main" id="{5047BDC2-2B0B-41D2-9EDD-6B7DC7509517}"/>
-              </a:ext>
-            </a:extLst>
-          </p:cNvPr>
+          <p:cNvPr id="7" name="图片 6"/>
           <p:cNvPicPr>
             <a:picLocks noChangeAspect="1"/>
           </p:cNvPicPr>
           <p:nvPr/>
         </p:nvPicPr>
         <p:blipFill>
-          <a:blip r:embed="rId2">
+          <a:blip r:embed="rId1">
             <a:extLst>
               <a:ext uri="{28A0092B-C50C-407E-A947-70E740481C1C}">
                 <a14:useLocalDpi xmlns:a14="http://schemas.microsoft.com/office/drawing/2010/main" val="0"/>
@@ -8381,20 +8856,14 @@
       </p:pic>
       <p:pic>
         <p:nvPicPr>
-          <p:cNvPr id="9" name="图片 8">
-            <a:extLst>
-              <a:ext uri="{FF2B5EF4-FFF2-40B4-BE49-F238E27FC236}">
-                <a16:creationId xmlns:a16="http://schemas.microsoft.com/office/drawing/2014/main" id="{8386C7F0-15FC-47BA-8C53-3338EFF275CC}"/>
-              </a:ext>
-            </a:extLst>
-          </p:cNvPr>
+          <p:cNvPr id="9" name="图片 8"/>
           <p:cNvPicPr>
             <a:picLocks noChangeAspect="1"/>
           </p:cNvPicPr>
           <p:nvPr/>
         </p:nvPicPr>
         <p:blipFill>
-          <a:blip r:embed="rId3">
+          <a:blip r:embed="rId2">
             <a:extLst>
               <a:ext uri="{28A0092B-C50C-407E-A947-70E740481C1C}">
                 <a14:useLocalDpi xmlns:a14="http://schemas.microsoft.com/office/drawing/2010/main" val="0"/>
@@ -8417,20 +8886,14 @@
       </p:pic>
       <p:pic>
         <p:nvPicPr>
-          <p:cNvPr id="11" name="图片 10">
-            <a:extLst>
-              <a:ext uri="{FF2B5EF4-FFF2-40B4-BE49-F238E27FC236}">
-                <a16:creationId xmlns:a16="http://schemas.microsoft.com/office/drawing/2014/main" id="{368423FF-24AA-4778-B070-44BB24124D9B}"/>
-              </a:ext>
-            </a:extLst>
-          </p:cNvPr>
+          <p:cNvPr id="11" name="图片 10"/>
           <p:cNvPicPr>
             <a:picLocks noChangeAspect="1"/>
           </p:cNvPicPr>
           <p:nvPr/>
         </p:nvPicPr>
         <p:blipFill>
-          <a:blip r:embed="rId4">
+          <a:blip r:embed="rId3">
             <a:extLst>
               <a:ext uri="{28A0092B-C50C-407E-A947-70E740481C1C}">
                 <a14:useLocalDpi xmlns:a14="http://schemas.microsoft.com/office/drawing/2010/main" val="0"/>
@@ -8453,20 +8916,14 @@
       </p:pic>
       <p:pic>
         <p:nvPicPr>
-          <p:cNvPr id="13" name="图片 12">
-            <a:extLst>
-              <a:ext uri="{FF2B5EF4-FFF2-40B4-BE49-F238E27FC236}">
-                <a16:creationId xmlns:a16="http://schemas.microsoft.com/office/drawing/2014/main" id="{25B638D9-B653-4993-9ADF-27F46A4DD1DC}"/>
-              </a:ext>
-            </a:extLst>
-          </p:cNvPr>
+          <p:cNvPr id="13" name="图片 12"/>
           <p:cNvPicPr>
             <a:picLocks noChangeAspect="1"/>
           </p:cNvPicPr>
           <p:nvPr/>
         </p:nvPicPr>
         <p:blipFill>
-          <a:blip r:embed="rId5">
+          <a:blip r:embed="rId4">
             <a:extLst>
               <a:ext uri="{28A0092B-C50C-407E-A947-70E740481C1C}">
                 <a14:useLocalDpi xmlns:a14="http://schemas.microsoft.com/office/drawing/2010/main" val="0"/>
@@ -8489,20 +8946,14 @@
       </p:pic>
       <p:pic>
         <p:nvPicPr>
-          <p:cNvPr id="15" name="图片 14">
-            <a:extLst>
-              <a:ext uri="{FF2B5EF4-FFF2-40B4-BE49-F238E27FC236}">
-                <a16:creationId xmlns:a16="http://schemas.microsoft.com/office/drawing/2014/main" id="{A26684EF-0382-4D16-874A-8FF1D75077A6}"/>
-              </a:ext>
-            </a:extLst>
-          </p:cNvPr>
+          <p:cNvPr id="15" name="图片 14"/>
           <p:cNvPicPr>
             <a:picLocks noChangeAspect="1"/>
           </p:cNvPicPr>
           <p:nvPr/>
         </p:nvPicPr>
         <p:blipFill>
-          <a:blip r:embed="rId6">
+          <a:blip r:embed="rId5">
             <a:extLst>
               <a:ext uri="{28A0092B-C50C-407E-A947-70E740481C1C}">
                 <a14:useLocalDpi xmlns:a14="http://schemas.microsoft.com/office/drawing/2010/main" val="0"/>
@@ -8525,20 +8976,14 @@
       </p:pic>
       <p:pic>
         <p:nvPicPr>
-          <p:cNvPr id="17" name="图片 16">
-            <a:extLst>
-              <a:ext uri="{FF2B5EF4-FFF2-40B4-BE49-F238E27FC236}">
-                <a16:creationId xmlns:a16="http://schemas.microsoft.com/office/drawing/2014/main" id="{C868A898-ACB7-43A8-AE73-F870E51A89EA}"/>
-              </a:ext>
-            </a:extLst>
-          </p:cNvPr>
+          <p:cNvPr id="17" name="图片 16"/>
           <p:cNvPicPr>
             <a:picLocks noChangeAspect="1"/>
           </p:cNvPicPr>
           <p:nvPr/>
         </p:nvPicPr>
         <p:blipFill>
-          <a:blip r:embed="rId7">
+          <a:blip r:embed="rId6">
             <a:extLst>
               <a:ext uri="{28A0092B-C50C-407E-A947-70E740481C1C}">
                 <a14:useLocalDpi xmlns:a14="http://schemas.microsoft.com/office/drawing/2010/main" val="0"/>
@@ -8561,20 +9006,14 @@
       </p:pic>
       <p:pic>
         <p:nvPicPr>
-          <p:cNvPr id="3" name="图片 2">
-            <a:extLst>
-              <a:ext uri="{FF2B5EF4-FFF2-40B4-BE49-F238E27FC236}">
-                <a16:creationId xmlns:a16="http://schemas.microsoft.com/office/drawing/2014/main" id="{42DD4C91-2AF0-4E65-80DF-1FB0DE9F0A17}"/>
-              </a:ext>
-            </a:extLst>
-          </p:cNvPr>
+          <p:cNvPr id="3" name="图片 2"/>
           <p:cNvPicPr>
             <a:picLocks noChangeAspect="1"/>
           </p:cNvPicPr>
           <p:nvPr/>
         </p:nvPicPr>
         <p:blipFill>
-          <a:blip r:embed="rId8">
+          <a:blip r:embed="rId7">
             <a:extLst>
               <a:ext uri="{28A0092B-C50C-407E-A947-70E740481C1C}">
                 <a14:useLocalDpi xmlns:a14="http://schemas.microsoft.com/office/drawing/2010/main" val="0"/>
@@ -8597,20 +9036,14 @@
       </p:pic>
       <p:pic>
         <p:nvPicPr>
-          <p:cNvPr id="5" name="图片 4">
-            <a:extLst>
-              <a:ext uri="{FF2B5EF4-FFF2-40B4-BE49-F238E27FC236}">
-                <a16:creationId xmlns:a16="http://schemas.microsoft.com/office/drawing/2014/main" id="{7A4B3837-0376-4EA7-B9EF-5A5A470560A5}"/>
-              </a:ext>
-            </a:extLst>
-          </p:cNvPr>
+          <p:cNvPr id="5" name="图片 4"/>
           <p:cNvPicPr>
             <a:picLocks noChangeAspect="1"/>
           </p:cNvPicPr>
           <p:nvPr/>
         </p:nvPicPr>
         <p:blipFill>
-          <a:blip r:embed="rId9">
+          <a:blip r:embed="rId8">
             <a:extLst>
               <a:ext uri="{28A0092B-C50C-407E-A947-70E740481C1C}">
                 <a14:useLocalDpi xmlns:a14="http://schemas.microsoft.com/office/drawing/2010/main" val="0"/>
@@ -8633,20 +9066,14 @@
       </p:pic>
       <p:pic>
         <p:nvPicPr>
-          <p:cNvPr id="8" name="图片 7">
-            <a:extLst>
-              <a:ext uri="{FF2B5EF4-FFF2-40B4-BE49-F238E27FC236}">
-                <a16:creationId xmlns:a16="http://schemas.microsoft.com/office/drawing/2014/main" id="{6620E6CD-AE64-4B6F-87BB-09ADE607751B}"/>
-              </a:ext>
-            </a:extLst>
-          </p:cNvPr>
+          <p:cNvPr id="8" name="图片 7"/>
           <p:cNvPicPr>
             <a:picLocks noChangeAspect="1"/>
           </p:cNvPicPr>
           <p:nvPr/>
         </p:nvPicPr>
         <p:blipFill>
-          <a:blip r:embed="rId10">
+          <a:blip r:embed="rId9">
             <a:extLst>
               <a:ext uri="{28A0092B-C50C-407E-A947-70E740481C1C}">
                 <a14:useLocalDpi xmlns:a14="http://schemas.microsoft.com/office/drawing/2010/main" val="0"/>
@@ -8669,13 +9096,7 @@
       </p:pic>
       <p:sp>
         <p:nvSpPr>
-          <p:cNvPr id="12" name="文本框 11">
-            <a:extLst>
-              <a:ext uri="{FF2B5EF4-FFF2-40B4-BE49-F238E27FC236}">
-                <a16:creationId xmlns:a16="http://schemas.microsoft.com/office/drawing/2014/main" id="{70E0D6DB-044B-43CF-8EAB-F4496F08B7BD}"/>
-              </a:ext>
-            </a:extLst>
-          </p:cNvPr>
+          <p:cNvPr id="12" name="文本框 11"/>
           <p:cNvSpPr txBox="1"/>
           <p:nvPr/>
         </p:nvSpPr>
@@ -8707,18 +9128,21 @@
               </a:rPr>
               <a:t>乐学堂，欢迎您</a:t>
             </a:r>
-          </a:p>
-        </p:txBody>
-      </p:sp>
-      <p:sp>
-        <p:nvSpPr>
-          <p:cNvPr id="14" name="文本框 13">
-            <a:extLst>
-              <a:ext uri="{FF2B5EF4-FFF2-40B4-BE49-F238E27FC236}">
-                <a16:creationId xmlns:a16="http://schemas.microsoft.com/office/drawing/2014/main" id="{29C3E26B-BDF1-4725-A5D6-D3E927D21683}"/>
-              </a:ext>
-            </a:extLst>
-          </p:cNvPr>
+            <a:endParaRPr lang="zh-CN" altLang="en-US" sz="7200" dirty="0">
+              <a:solidFill>
+                <a:schemeClr val="tx2">
+                  <a:lumMod val="50000"/>
+                </a:schemeClr>
+              </a:solidFill>
+              <a:latin typeface="华文行楷" panose="02010800040101010101" pitchFamily="2" charset="-122"/>
+              <a:ea typeface="华文行楷" panose="02010800040101010101" pitchFamily="2" charset="-122"/>
+            </a:endParaRPr>
+          </a:p>
+        </p:txBody>
+      </p:sp>
+      <p:sp>
+        <p:nvSpPr>
+          <p:cNvPr id="14" name="文本框 13"/>
           <p:cNvSpPr txBox="1"/>
           <p:nvPr/>
         </p:nvSpPr>
@@ -8745,19 +9169,21 @@
               </a:rPr>
               <a:t>谢谢观看</a:t>
             </a:r>
+            <a:endParaRPr lang="zh-CN" altLang="en-US" sz="7200" dirty="0">
+              <a:latin typeface="隶书" panose="02010509060101010101" pitchFamily="49" charset="-122"/>
+              <a:ea typeface="隶书" panose="02010509060101010101" pitchFamily="49" charset="-122"/>
+            </a:endParaRPr>
           </a:p>
         </p:txBody>
       </p:sp>
     </p:spTree>
-    <p:extLst>
-      <p:ext uri="{BB962C8B-B14F-4D97-AF65-F5344CB8AC3E}">
-        <p14:creationId xmlns:p14="http://schemas.microsoft.com/office/powerpoint/2010/main" val="477615605"/>
-      </p:ext>
-    </p:extLst>
   </p:cSld>
   <p:clrMapOvr>
     <a:masterClrMapping/>
   </p:clrMapOvr>
+  <p:transition>
+    <p:cut thruBlk="1"/>
+  </p:transition>
   <p:timing>
     <p:tnLst>
       <p:par>
@@ -9803,7 +10229,7 @@
                         <p:par>
                           <p:cTn id="61" fill="hold">
                             <p:stCondLst>
-                              <p:cond delay="5500"/>
+                              <p:cond delay="2000"/>
                             </p:stCondLst>
                             <p:childTnLst>
                               <p:par>
@@ -9909,7 +10335,7 @@
                         <p:par>
                           <p:cTn id="67" fill="hold">
                             <p:stCondLst>
-                              <p:cond delay="7500"/>
+                              <p:cond delay="4000"/>
                             </p:stCondLst>
                             <p:childTnLst>
                               <p:par>
@@ -9961,7 +10387,7 @@
                         <p:par>
                           <p:cTn id="71" fill="hold">
                             <p:stCondLst>
-                              <p:cond delay="10000"/>
+                              <p:cond delay="6500"/>
                             </p:stCondLst>
                             <p:childTnLst>
                               <p:par>
@@ -10076,7 +10502,7 @@
     </a:clrScheme>
     <a:fontScheme name="平面">
       <a:majorFont>
-        <a:latin typeface="Trebuchet MS" panose="020B0603020202020204"/>
+        <a:latin typeface="Trebuchet MS"/>
         <a:ea typeface=""/>
         <a:cs typeface=""/>
         <a:font script="Jpan" typeface="メイリオ"/>
@@ -10111,7 +10537,7 @@
         <a:font script="Geor" typeface="Sylfaen"/>
       </a:majorFont>
       <a:minorFont>
-        <a:latin typeface="Trebuchet MS" panose="020B0603020202020204"/>
+        <a:latin typeface="Trebuchet MS"/>
         <a:ea typeface=""/>
         <a:cs typeface=""/>
         <a:font script="Jpan" typeface="メイリオ"/>
@@ -10280,11 +10706,9 @@
       </a:bgFillStyleLst>
     </a:fmtScheme>
   </a:themeElements>
-  <a:objectDefaults/>
-  <a:extraClrSchemeLst/>
   <a:extLst>
     <a:ext uri="{05A4C25C-085E-4340-85A3-A5531E510DB2}">
-      <thm15:themeFamily xmlns:thm15="http://schemas.microsoft.com/office/thememl/2012/main" name="Facet" id="{C0C680CD-088A-49FC-A102-D699147F32B2}" vid="{CFBC31BA-B70F-4F30-BCAA-4F3011E16C4D}"/>
+      <thm15:themeFamily xmlns:thm15="http://schemas.microsoft.com/office/thememl/2012/main" name="Office Theme" id="{62F939B6-93AF-4DB8-9C6B-D6C7DFDC589F}" vid="{4A3C46E8-61CC-4603-A589-7422A47A8E4A}"/>
     </a:ext>
   </a:extLst>
 </a:theme>
